--- a/slides/architecture.pptx
+++ b/slides/architecture.pptx
@@ -5,10 +5,10 @@
     <p:sldMasterId id="2147483648" r:id="rId1"/>
   </p:sldMasterIdLst>
   <p:notesMasterIdLst>
-    <p:notesMasterId r:id="rId14"/>
+    <p:notesMasterId r:id="rId16"/>
   </p:notesMasterIdLst>
   <p:handoutMasterIdLst>
-    <p:handoutMasterId r:id="rId15"/>
+    <p:handoutMasterId r:id="rId17"/>
   </p:handoutMasterIdLst>
   <p:sldIdLst>
     <p:sldId id="267" r:id="rId2"/>
@@ -20,28 +20,30 @@
     <p:sldId id="2147475924" r:id="rId8"/>
     <p:sldId id="2147475925" r:id="rId9"/>
     <p:sldId id="2147475927" r:id="rId10"/>
-    <p:sldId id="2147475926" r:id="rId11"/>
-    <p:sldId id="332" r:id="rId12"/>
-    <p:sldId id="268" r:id="rId13"/>
+    <p:sldId id="332" r:id="rId11"/>
+    <p:sldId id="268" r:id="rId12"/>
+    <p:sldId id="2147475929" r:id="rId13"/>
+    <p:sldId id="2147475926" r:id="rId14"/>
+    <p:sldId id="2147475928" r:id="rId15"/>
   </p:sldIdLst>
   <p:sldSz cx="12192000" cy="6858000"/>
   <p:notesSz cx="6858000" cy="9144000"/>
   <p:embeddedFontLst>
     <p:embeddedFont>
       <p:font typeface="HP Simplified" panose="020B0604020204020204" pitchFamily="34" charset="0"/>
-      <p:regular r:id="rId16"/>
-      <p:bold r:id="rId17"/>
+      <p:regular r:id="rId18"/>
+      <p:bold r:id="rId19"/>
     </p:embeddedFont>
     <p:embeddedFont>
       <p:font typeface="MetricHPE" panose="020B0503030202060203" pitchFamily="34" charset="0"/>
-      <p:regular r:id="rId18"/>
-      <p:bold r:id="rId19"/>
-      <p:italic r:id="rId20"/>
-      <p:boldItalic r:id="rId21"/>
+      <p:regular r:id="rId20"/>
+      <p:bold r:id="rId21"/>
+      <p:italic r:id="rId22"/>
+      <p:boldItalic r:id="rId23"/>
     </p:embeddedFont>
   </p:embeddedFontLst>
   <p:custDataLst>
-    <p:tags r:id="rId22"/>
+    <p:tags r:id="rId24"/>
   </p:custDataLst>
   <p:defaultTextStyle>
     <a:defPPr>
@@ -152,9 +154,11 @@
             <p14:sldId id="2147475924"/>
             <p14:sldId id="2147475925"/>
             <p14:sldId id="2147475927"/>
-            <p14:sldId id="2147475926"/>
             <p14:sldId id="332"/>
             <p14:sldId id="268"/>
+            <p14:sldId id="2147475929"/>
+            <p14:sldId id="2147475926"/>
+            <p14:sldId id="2147475928"/>
           </p14:sldIdLst>
         </p14:section>
       </p14:sectionLst>
@@ -1832,7 +1836,7 @@
               <a:rPr lang="en-US">
                 <a:latin typeface="MetricHPE" panose="020B0503030202060203" pitchFamily="34" charset="-18"/>
               </a:rPr>
-              <a:t>7/23/2025</a:t>
+              <a:t>7/24/2025</a:t>
             </a:fld>
             <a:endParaRPr dirty="0">
               <a:latin typeface="MetricHPE" panose="020B0503030202060203" pitchFamily="34" charset="-18"/>
@@ -3336,6 +3340,101 @@
   <p:cSld>
     <p:spTree>
       <p:nvGrpSpPr>
+        <p:cNvPr id="1" name=""/>
+        <p:cNvGrpSpPr/>
+        <p:nvPr/>
+      </p:nvGrpSpPr>
+      <p:grpSpPr>
+        <a:xfrm>
+          <a:off x="0" y="0"/>
+          <a:ext cx="0" cy="0"/>
+          <a:chOff x="0" y="0"/>
+          <a:chExt cx="0" cy="0"/>
+        </a:xfrm>
+      </p:grpSpPr>
+      <p:sp>
+        <p:nvSpPr>
+          <p:cNvPr id="2" name="Slide Image Placeholder 1"/>
+          <p:cNvSpPr>
+            <a:spLocks noGrp="1" noRot="1" noChangeAspect="1"/>
+          </p:cNvSpPr>
+          <p:nvPr>
+            <p:ph type="sldImg"/>
+          </p:nvPr>
+        </p:nvSpPr>
+        <p:spPr>
+          <a:xfrm>
+            <a:off x="381000" y="381000"/>
+            <a:ext cx="4572000" cy="2573338"/>
+          </a:xfrm>
+        </p:spPr>
+      </p:sp>
+      <p:sp>
+        <p:nvSpPr>
+          <p:cNvPr id="3" name="Notes Placeholder 2"/>
+          <p:cNvSpPr>
+            <a:spLocks noGrp="1"/>
+          </p:cNvSpPr>
+          <p:nvPr>
+            <p:ph type="body" idx="1"/>
+          </p:nvPr>
+        </p:nvSpPr>
+        <p:spPr/>
+        <p:txBody>
+          <a:bodyPr>
+            <a:normAutofit/>
+          </a:bodyPr>
+          <a:lstStyle/>
+          <a:p>
+            <a:pPr marL="91440" lvl="1" indent="0">
+              <a:buNone/>
+            </a:pPr>
+            <a:endParaRPr lang="en-US" dirty="0"/>
+          </a:p>
+        </p:txBody>
+      </p:sp>
+      <p:sp>
+        <p:nvSpPr>
+          <p:cNvPr id="4" name="Slide Number Placeholder 3"/>
+          <p:cNvSpPr>
+            <a:spLocks noGrp="1"/>
+          </p:cNvSpPr>
+          <p:nvPr>
+            <p:ph type="sldNum" sz="quarter" idx="10"/>
+          </p:nvPr>
+        </p:nvSpPr>
+        <p:spPr/>
+        <p:txBody>
+          <a:bodyPr/>
+          <a:lstStyle/>
+          <a:p>
+            <a:fld id="{22A853E8-D85F-5D49-95D2-E1D96ABFE2B9}" type="slidenum">
+              <a:rPr lang="en-GB" smtClean="0"/>
+              <a:pPr/>
+              <a:t>10</a:t>
+            </a:fld>
+            <a:endParaRPr lang="en-GB" dirty="0"/>
+          </a:p>
+        </p:txBody>
+      </p:sp>
+    </p:spTree>
+    <p:extLst>
+      <p:ext uri="{BB962C8B-B14F-4D97-AF65-F5344CB8AC3E}">
+        <p14:creationId xmlns:p14="http://schemas.microsoft.com/office/powerpoint/2010/main" val="684969989"/>
+      </p:ext>
+    </p:extLst>
+  </p:cSld>
+  <p:clrMapOvr>
+    <a:masterClrMapping/>
+  </p:clrMapOvr>
+</p:notes>
+</file>
+
+<file path=ppt/notesSlides/notesSlide8.xml><?xml version="1.0" encoding="utf-8"?>
+<p:notes xmlns:a="http://schemas.openxmlformats.org/drawingml/2006/main" xmlns:r="http://schemas.openxmlformats.org/officeDocument/2006/relationships" xmlns:p="http://schemas.openxmlformats.org/presentationml/2006/main">
+  <p:cSld>
+    <p:spTree>
+      <p:nvGrpSpPr>
         <p:cNvPr id="1" name="">
           <a:extLst>
             <a:ext uri="{FF2B5EF4-FFF2-40B4-BE49-F238E27FC236}">
@@ -3493,7 +3592,7 @@
                 <a:tabLst/>
                 <a:defRPr/>
               </a:pPr>
-              <a:t>10</a:t>
+              <a:t>13</a:t>
             </a:fld>
             <a:endParaRPr kumimoji="0" lang="en-US" sz="1000" b="0" i="0" u="none" strike="noStrike" kern="1200" cap="none" spc="0" normalizeH="0" baseline="0" noProof="0">
               <a:ln>
@@ -3525,12 +3624,18 @@
 </p:notes>
 </file>
 
-<file path=ppt/notesSlides/notesSlide8.xml><?xml version="1.0" encoding="utf-8"?>
+<file path=ppt/notesSlides/notesSlide9.xml><?xml version="1.0" encoding="utf-8"?>
 <p:notes xmlns:a="http://schemas.openxmlformats.org/drawingml/2006/main" xmlns:r="http://schemas.openxmlformats.org/officeDocument/2006/relationships" xmlns:p="http://schemas.openxmlformats.org/presentationml/2006/main">
   <p:cSld>
     <p:spTree>
       <p:nvGrpSpPr>
-        <p:cNvPr id="1" name=""/>
+        <p:cNvPr id="1" name="">
+          <a:extLst>
+            <a:ext uri="{FF2B5EF4-FFF2-40B4-BE49-F238E27FC236}">
+              <a16:creationId xmlns:a16="http://schemas.microsoft.com/office/drawing/2014/main" id="{21847B41-E069-B57E-895B-4B606F96026A}"/>
+            </a:ext>
+          </a:extLst>
+        </p:cNvPr>
         <p:cNvGrpSpPr/>
         <p:nvPr/>
       </p:nvGrpSpPr>
@@ -3544,7 +3649,13 @@
       </p:grpSpPr>
       <p:sp>
         <p:nvSpPr>
-          <p:cNvPr id="2" name="Slide Image Placeholder 1"/>
+          <p:cNvPr id="2" name="Slide Image Placeholder 1">
+            <a:extLst>
+              <a:ext uri="{FF2B5EF4-FFF2-40B4-BE49-F238E27FC236}">
+                <a16:creationId xmlns:a16="http://schemas.microsoft.com/office/drawing/2014/main" id="{F6472A20-4503-A62D-BDEA-3350520D8CA3}"/>
+              </a:ext>
+            </a:extLst>
+          </p:cNvPr>
           <p:cNvSpPr>
             <a:spLocks noGrp="1" noRot="1" noChangeAspect="1"/>
           </p:cNvSpPr>
@@ -3561,7 +3672,13 @@
       </p:sp>
       <p:sp>
         <p:nvSpPr>
-          <p:cNvPr id="3" name="Notes Placeholder 2"/>
+          <p:cNvPr id="3" name="Notes Placeholder 2">
+            <a:extLst>
+              <a:ext uri="{FF2B5EF4-FFF2-40B4-BE49-F238E27FC236}">
+                <a16:creationId xmlns:a16="http://schemas.microsoft.com/office/drawing/2014/main" id="{D52B2203-8D13-7DC5-7596-A6B87EDD9DAA}"/>
+              </a:ext>
+            </a:extLst>
+          </p:cNvPr>
           <p:cNvSpPr>
             <a:spLocks noGrp="1"/>
           </p:cNvSpPr>
@@ -3576,16 +3693,38 @@
           </a:bodyPr>
           <a:lstStyle/>
           <a:p>
-            <a:pPr marL="91440" lvl="1" indent="0">
-              <a:buNone/>
+            <a:pPr marL="0" marR="0" lvl="0" indent="0" algn="l" defTabSz="914400">
+              <a:lnSpc>
+                <a:spcPct val="100000"/>
+              </a:lnSpc>
+              <a:spcBef>
+                <a:spcPts val="0"/>
+              </a:spcBef>
+              <a:spcAft>
+                <a:spcPts val="0"/>
+              </a:spcAft>
+              <a:buClrTx/>
+              <a:buSzTx/>
+              <a:buFontTx/>
+              <a:buNone/>
+              <a:tabLst/>
+              <a:defRPr/>
             </a:pPr>
-            <a:endParaRPr lang="en-US" dirty="0"/>
-          </a:p>
-        </p:txBody>
-      </p:sp>
-      <p:sp>
-        <p:nvSpPr>
-          <p:cNvPr id="4" name="Slide Number Placeholder 3"/>
+            <a:endParaRPr lang="en-US" dirty="0">
+              <a:cs typeface="Calibri"/>
+            </a:endParaRPr>
+          </a:p>
+        </p:txBody>
+      </p:sp>
+      <p:sp>
+        <p:nvSpPr>
+          <p:cNvPr id="4" name="Slide Number Placeholder 3">
+            <a:extLst>
+              <a:ext uri="{FF2B5EF4-FFF2-40B4-BE49-F238E27FC236}">
+                <a16:creationId xmlns:a16="http://schemas.microsoft.com/office/drawing/2014/main" id="{ED8B4381-A4F0-1F4E-2AF3-0DE706A35275}"/>
+              </a:ext>
+            </a:extLst>
+          </p:cNvPr>
           <p:cNvSpPr>
             <a:spLocks noGrp="1"/>
           </p:cNvSpPr>
@@ -3598,19 +3737,78 @@
           <a:bodyPr/>
           <a:lstStyle/>
           <a:p>
-            <a:fld id="{22A853E8-D85F-5D49-95D2-E1D96ABFE2B9}" type="slidenum">
-              <a:rPr lang="en-GB" smtClean="0"/>
-              <a:pPr/>
-              <a:t>11</a:t>
+            <a:pPr marL="0" marR="0" lvl="0" indent="0" algn="r" defTabSz="914400" rtl="0" eaLnBrk="1" fontAlgn="auto" latinLnBrk="0" hangingPunct="1">
+              <a:lnSpc>
+                <a:spcPct val="100000"/>
+              </a:lnSpc>
+              <a:spcBef>
+                <a:spcPts val="0"/>
+              </a:spcBef>
+              <a:spcAft>
+                <a:spcPts val="0"/>
+              </a:spcAft>
+              <a:buClrTx/>
+              <a:buSzTx/>
+              <a:buFontTx/>
+              <a:buNone/>
+              <a:tabLst/>
+              <a:defRPr/>
+            </a:pPr>
+            <a:fld id="{5BFEAE42-E3FE-4405-B7FC-4425D05B92A0}" type="slidenum">
+              <a:rPr kumimoji="0" lang="en-US" sz="1000" b="0" i="0" u="none" strike="noStrike" kern="1200" cap="none" spc="0" normalizeH="0" baseline="0" noProof="0" smtClean="0">
+                <a:ln>
+                  <a:noFill/>
+                </a:ln>
+                <a:solidFill>
+                  <a:prstClr val="black"/>
+                </a:solidFill>
+                <a:effectLst/>
+                <a:uLnTx/>
+                <a:uFillTx/>
+                <a:latin typeface="MetricHPE" panose="020B0503030202060203" pitchFamily="34" charset="0"/>
+                <a:ea typeface="+mn-ea"/>
+                <a:cs typeface="+mn-cs"/>
+              </a:rPr>
+              <a:pPr marL="0" marR="0" lvl="0" indent="0" algn="r" defTabSz="914400" rtl="0" eaLnBrk="1" fontAlgn="auto" latinLnBrk="0" hangingPunct="1">
+                <a:lnSpc>
+                  <a:spcPct val="100000"/>
+                </a:lnSpc>
+                <a:spcBef>
+                  <a:spcPts val="0"/>
+                </a:spcBef>
+                <a:spcAft>
+                  <a:spcPts val="0"/>
+                </a:spcAft>
+                <a:buClrTx/>
+                <a:buSzTx/>
+                <a:buFontTx/>
+                <a:buNone/>
+                <a:tabLst/>
+                <a:defRPr/>
+              </a:pPr>
+              <a:t>14</a:t>
             </a:fld>
-            <a:endParaRPr lang="en-GB" dirty="0"/>
+            <a:endParaRPr kumimoji="0" lang="en-US" sz="1000" b="0" i="0" u="none" strike="noStrike" kern="1200" cap="none" spc="0" normalizeH="0" baseline="0" noProof="0">
+              <a:ln>
+                <a:noFill/>
+              </a:ln>
+              <a:solidFill>
+                <a:prstClr val="black"/>
+              </a:solidFill>
+              <a:effectLst/>
+              <a:uLnTx/>
+              <a:uFillTx/>
+              <a:latin typeface="MetricHPE" panose="020B0503030202060203" pitchFamily="34" charset="0"/>
+              <a:ea typeface="+mn-ea"/>
+              <a:cs typeface="+mn-cs"/>
+            </a:endParaRPr>
           </a:p>
         </p:txBody>
       </p:sp>
     </p:spTree>
     <p:extLst>
       <p:ext uri="{BB962C8B-B14F-4D97-AF65-F5344CB8AC3E}">
-        <p14:creationId xmlns:p14="http://schemas.microsoft.com/office/powerpoint/2010/main" val="684969989"/>
+        <p14:creationId xmlns:p14="http://schemas.microsoft.com/office/powerpoint/2010/main" val="3709653278"/>
       </p:ext>
     </p:extLst>
   </p:cSld>
@@ -23439,13 +23637,7 @@
   <p:cSld>
     <p:spTree>
       <p:nvGrpSpPr>
-        <p:cNvPr id="1" name="">
-          <a:extLst>
-            <a:ext uri="{FF2B5EF4-FFF2-40B4-BE49-F238E27FC236}">
-              <a16:creationId xmlns:a16="http://schemas.microsoft.com/office/drawing/2014/main" id="{74362569-6104-B196-A407-EDB3B4E42E7F}"/>
-            </a:ext>
-          </a:extLst>
-        </p:cNvPr>
+        <p:cNvPr id="1" name=""/>
         <p:cNvGrpSpPr/>
         <p:nvPr/>
       </p:nvGrpSpPr>
@@ -23459,13 +23651,7 @@
       </p:grpSpPr>
       <p:sp>
         <p:nvSpPr>
-          <p:cNvPr id="4" name="Title 3">
-            <a:extLst>
-              <a:ext uri="{FF2B5EF4-FFF2-40B4-BE49-F238E27FC236}">
-                <a16:creationId xmlns:a16="http://schemas.microsoft.com/office/drawing/2014/main" id="{46049E1F-EA95-7FD6-34E3-324C4F2D6A5A}"/>
-              </a:ext>
-            </a:extLst>
-          </p:cNvPr>
+          <p:cNvPr id="4" name="Title 3"/>
           <p:cNvSpPr>
             <a:spLocks noGrp="1"/>
           </p:cNvSpPr>
@@ -23475,8 +23661,8 @@
         </p:nvSpPr>
         <p:spPr>
           <a:xfrm>
-            <a:off x="702467" y="304948"/>
-            <a:ext cx="10969943" cy="852364"/>
+            <a:off x="546808" y="533400"/>
+            <a:ext cx="10822941" cy="775597"/>
           </a:xfrm>
         </p:spPr>
         <p:txBody>
@@ -23484,18 +23670,22 @@
           <a:lstStyle/>
           <a:p>
             <a:r>
-              <a:rPr lang="en-GB" sz="3200" i="1" dirty="0"/>
-              <a:t>Production Considerations</a:t>
-            </a:r>
-          </a:p>
-        </p:txBody>
-      </p:sp>
-      <p:sp>
-        <p:nvSpPr>
-          <p:cNvPr id="5" name="TextBox 4">
+              <a:rPr lang="en-GB" i="1" dirty="0"/>
+              <a:t>Round Table</a:t>
+            </a:r>
+            <a:br>
+              <a:rPr lang="en-GB" i="1" dirty="0"/>
+            </a:br>
+            <a:endParaRPr lang="en-GB" i="1" dirty="0"/>
+          </a:p>
+        </p:txBody>
+      </p:sp>
+      <p:sp>
+        <p:nvSpPr>
+          <p:cNvPr id="2" name="TextBox 1">
             <a:extLst>
               <a:ext uri="{FF2B5EF4-FFF2-40B4-BE49-F238E27FC236}">
-                <a16:creationId xmlns:a16="http://schemas.microsoft.com/office/drawing/2014/main" id="{A6A7DF0E-BB52-D477-E548-4625D852E8C0}"/>
+                <a16:creationId xmlns:a16="http://schemas.microsoft.com/office/drawing/2014/main" id="{9CC393E4-0B81-0C0D-EF5E-67684FA6F8EF}"/>
               </a:ext>
             </a:extLst>
           </p:cNvPr>
@@ -23504,200 +23694,64 @@
         </p:nvSpPr>
         <p:spPr>
           <a:xfrm>
-            <a:off x="1402080" y="1442720"/>
-            <a:ext cx="9723120" cy="3416320"/>
+            <a:off x="762000" y="1295400"/>
+            <a:ext cx="10515600" cy="4648200"/>
           </a:xfrm>
           <a:prstGeom prst="rect">
             <a:avLst/>
           </a:prstGeom>
           <a:noFill/>
-          <a:ln w="57150">
-            <a:noFill/>
-            <a:miter lim="800000"/>
-          </a:ln>
         </p:spPr>
         <p:txBody>
-          <a:bodyPr wrap="square">
-            <a:spAutoFit/>
+          <a:bodyPr wrap="none" lIns="0" tIns="0" rIns="0" bIns="0" rtlCol="0">
+            <a:noAutofit/>
           </a:bodyPr>
           <a:lstStyle/>
           <a:p>
-            <a:pPr>
-              <a:buNone/>
-            </a:pPr>
-            <a:r>
-              <a:rPr lang="en-GB" sz="2400" b="1" dirty="0"/>
-              <a:t>How to Scale:</a:t>
-            </a:r>
-          </a:p>
-          <a:p>
-            <a:pPr>
-              <a:buNone/>
-            </a:pPr>
-            <a:endParaRPr lang="en-GB" sz="2400" dirty="0"/>
-          </a:p>
-          <a:p>
-            <a:pPr marL="342900" indent="-342900">
+            <a:pPr marL="285750" indent="-285750">
+              <a:lnSpc>
+                <a:spcPct val="90000"/>
+              </a:lnSpc>
               <a:buFont typeface="Arial" panose="020B0604020202020204" pitchFamily="34" charset="0"/>
               <a:buChar char="•"/>
             </a:pPr>
             <a:r>
-              <a:rPr lang="en-GB" sz="2400" i="1" dirty="0"/>
-              <a:t>Use vector DB (FAISS, </a:t>
-            </a:r>
-            <a:r>
-              <a:rPr lang="en-GB" sz="2400" i="1" dirty="0" err="1"/>
-              <a:t>Qdrant</a:t>
-            </a:r>
-            <a:r>
-              <a:rPr lang="en-GB" sz="2400" i="1" dirty="0"/>
-              <a:t>, </a:t>
-            </a:r>
-            <a:r>
-              <a:rPr lang="en-GB" sz="2400" i="1" dirty="0" err="1"/>
-              <a:t>Weaviate</a:t>
-            </a:r>
-            <a:r>
-              <a:rPr lang="en-GB" sz="2400" i="1" dirty="0"/>
-              <a:t>) for scalable retrieval.</a:t>
-            </a:r>
-          </a:p>
-          <a:p>
-            <a:pPr marL="342900" indent="-342900">
+              <a:rPr lang="en-US" sz="2400" dirty="0">
+                <a:latin typeface="+mj-lt"/>
+              </a:rPr>
+              <a:t>Anything you would like to add? </a:t>
+            </a:r>
+          </a:p>
+          <a:p>
+            <a:pPr marL="285750" indent="-285750">
+              <a:lnSpc>
+                <a:spcPct val="90000"/>
+              </a:lnSpc>
               <a:buFont typeface="Arial" panose="020B0604020202020204" pitchFamily="34" charset="0"/>
               <a:buChar char="•"/>
             </a:pPr>
             <a:r>
-              <a:rPr lang="en-GB" sz="2400" i="1" dirty="0"/>
-              <a:t>Replace PDF loader with </a:t>
-            </a:r>
-            <a:r>
-              <a:rPr lang="en-GB" sz="2400" i="1" dirty="0" err="1"/>
-              <a:t>DocArray</a:t>
-            </a:r>
-            <a:r>
-              <a:rPr lang="en-GB" sz="2400" i="1" dirty="0"/>
-              <a:t> or </a:t>
-            </a:r>
-            <a:r>
-              <a:rPr lang="en-GB" sz="2400" i="1" dirty="0" err="1"/>
-              <a:t>LangChain</a:t>
-            </a:r>
-            <a:r>
-              <a:rPr lang="en-GB" sz="2400" i="1" dirty="0"/>
-              <a:t> loaders.</a:t>
-            </a:r>
-          </a:p>
-          <a:p>
-            <a:pPr marL="342900" indent="-342900">
-              <a:buFont typeface="Arial" panose="020B0604020202020204" pitchFamily="34" charset="0"/>
-              <a:buChar char="•"/>
-            </a:pPr>
-            <a:r>
-              <a:rPr lang="en-GB" sz="2400" i="1" dirty="0"/>
-              <a:t>Host LLM via </a:t>
-            </a:r>
-            <a:r>
-              <a:rPr lang="en-GB" sz="2400" i="1" dirty="0" err="1"/>
-              <a:t>vLLM</a:t>
-            </a:r>
-            <a:r>
-              <a:rPr lang="en-GB" sz="2400" i="1" dirty="0"/>
-              <a:t> for better performance (GPU-optional).</a:t>
-            </a:r>
-          </a:p>
-          <a:p>
-            <a:pPr marL="342900" indent="-342900">
-              <a:buFont typeface="Arial" panose="020B0604020202020204" pitchFamily="34" charset="0"/>
-              <a:buChar char="•"/>
-            </a:pPr>
-            <a:r>
-              <a:rPr lang="en-GB" sz="2400" i="1" dirty="0"/>
-              <a:t>Add UI (</a:t>
-            </a:r>
-            <a:r>
-              <a:rPr lang="en-GB" sz="2400" i="1" dirty="0" err="1"/>
-              <a:t>Gradio</a:t>
-            </a:r>
-            <a:r>
-              <a:rPr lang="en-GB" sz="2400" i="1" dirty="0"/>
-              <a:t> or </a:t>
-            </a:r>
-            <a:r>
-              <a:rPr lang="en-GB" sz="2400" i="1" dirty="0" err="1"/>
-              <a:t>Streamlit</a:t>
-            </a:r>
-            <a:r>
-              <a:rPr lang="en-GB" sz="2400" i="1" dirty="0"/>
-              <a:t>) for non-technical usage.</a:t>
-            </a:r>
-          </a:p>
-          <a:p>
-            <a:pPr marL="342900" indent="-342900">
-              <a:buFont typeface="Arial" panose="020B0604020202020204" pitchFamily="34" charset="0"/>
-              <a:buChar char="•"/>
-            </a:pPr>
-            <a:r>
-              <a:rPr lang="en-GB" sz="2400" i="1" dirty="0"/>
-              <a:t>Integrate RAG evaluation metrics (Faithfulness, Context Recall).</a:t>
-            </a:r>
-          </a:p>
-          <a:p>
-            <a:endParaRPr lang="en-GB" sz="2400" dirty="0"/>
-          </a:p>
-          <a:p>
-            <a:pPr>
-              <a:buNone/>
-            </a:pPr>
-            <a:r>
-              <a:rPr lang="en-GB" sz="2400" b="1" dirty="0"/>
-              <a:t>CI/CD Pipeline:</a:t>
-            </a:r>
-            <a:r>
-              <a:rPr lang="en-GB" sz="2400" dirty="0"/>
-              <a:t> </a:t>
-            </a:r>
-            <a:r>
-              <a:rPr lang="en-GB" sz="2400" dirty="0" err="1"/>
-              <a:t>Dockerize</a:t>
-            </a:r>
-            <a:r>
-              <a:rPr lang="en-GB" sz="2400" dirty="0"/>
-              <a:t>, use </a:t>
-            </a:r>
-            <a:r>
-              <a:rPr lang="en-GB" sz="2400" dirty="0" err="1"/>
-              <a:t>MLflow</a:t>
-            </a:r>
-            <a:r>
-              <a:rPr lang="en-GB" sz="2400" dirty="0"/>
-              <a:t> to track model/version.</a:t>
-            </a:r>
+              <a:rPr lang="en-US" sz="2400" dirty="0">
+                <a:latin typeface="+mj-lt"/>
+              </a:rPr>
+              <a:t>Any feedback?</a:t>
+            </a:r>
+            <a:endParaRPr lang="en-GB" sz="2400" dirty="0">
+              <a:latin typeface="+mj-lt"/>
+            </a:endParaRPr>
           </a:p>
         </p:txBody>
       </p:sp>
     </p:spTree>
     <p:extLst>
       <p:ext uri="{BB962C8B-B14F-4D97-AF65-F5344CB8AC3E}">
-        <p14:creationId xmlns:p14="http://schemas.microsoft.com/office/powerpoint/2010/main" val="3280874045"/>
+        <p14:creationId xmlns:p14="http://schemas.microsoft.com/office/powerpoint/2010/main" val="1868451139"/>
       </p:ext>
     </p:extLst>
   </p:cSld>
   <p:clrMapOvr>
     <a:masterClrMapping/>
   </p:clrMapOvr>
-  <mc:AlternateContent xmlns:mc="http://schemas.openxmlformats.org/markup-compatibility/2006">
-    <mc:Choice xmlns:p14="http://schemas.microsoft.com/office/powerpoint/2010/main" Requires="p14">
-      <p:transition spd="med" p14:dur="700">
-        <p:fade/>
-      </p:transition>
-    </mc:Choice>
-    <mc:Fallback>
-      <p:transition spd="med">
-        <p:fade/>
-      </p:transition>
-    </mc:Fallback>
-  </mc:AlternateContent>
 </p:sld>
 </file>
 
@@ -23720,7 +23774,54 @@
       </p:grpSpPr>
       <p:sp>
         <p:nvSpPr>
-          <p:cNvPr id="4" name="Title 3"/>
+          <p:cNvPr id="16" name="Text Placeholder 15">
+            <a:extLst>
+              <a:ext uri="{FF2B5EF4-FFF2-40B4-BE49-F238E27FC236}">
+                <a16:creationId xmlns:a16="http://schemas.microsoft.com/office/drawing/2014/main" id="{AE94DB59-2993-41B8-AA2D-A95E6BF6DDA3}"/>
+              </a:ext>
+            </a:extLst>
+          </p:cNvPr>
+          <p:cNvSpPr>
+            <a:spLocks noGrp="1"/>
+          </p:cNvSpPr>
+          <p:nvPr>
+            <p:ph type="body" sz="quarter" idx="13"/>
+          </p:nvPr>
+        </p:nvSpPr>
+        <p:spPr/>
+        <p:txBody>
+          <a:bodyPr/>
+          <a:lstStyle/>
+          <a:p>
+            <a:r>
+              <a:rPr lang="es-CR" dirty="0">
+                <a:hlinkClick r:id="rId2"/>
+              </a:rPr>
+              <a:t>miguel-andres.salazar@hpe.com</a:t>
+            </a:r>
+            <a:endParaRPr lang="es-CR" dirty="0"/>
+          </a:p>
+          <a:p>
+            <a:r>
+              <a:rPr lang="en-US" dirty="0"/>
+              <a:t>+1 833 698 1869 Ext. 2031163</a:t>
+            </a:r>
+            <a:endParaRPr lang="es-CR" dirty="0"/>
+          </a:p>
+          <a:p>
+            <a:endParaRPr lang="en-US" dirty="0"/>
+          </a:p>
+        </p:txBody>
+      </p:sp>
+      <p:sp>
+        <p:nvSpPr>
+          <p:cNvPr id="3" name="Title">
+            <a:extLst>
+              <a:ext uri="{FF2B5EF4-FFF2-40B4-BE49-F238E27FC236}">
+                <a16:creationId xmlns:a16="http://schemas.microsoft.com/office/drawing/2014/main" id="{3817C569-99BE-4C61-8DBB-67B2DD76189C}"/>
+              </a:ext>
+            </a:extLst>
+          </p:cNvPr>
           <p:cNvSpPr>
             <a:spLocks noGrp="1"/>
           </p:cNvSpPr>
@@ -23730,8 +23831,8 @@
         </p:nvSpPr>
         <p:spPr>
           <a:xfrm>
-            <a:off x="546808" y="533400"/>
-            <a:ext cx="10822941" cy="775597"/>
+            <a:off x="293442" y="1029016"/>
+            <a:ext cx="10251171" cy="2828660"/>
           </a:xfrm>
         </p:spPr>
         <p:txBody>
@@ -23739,88 +23840,45 @@
           <a:lstStyle/>
           <a:p>
             <a:r>
-              <a:rPr lang="en-GB" i="1" dirty="0"/>
-              <a:t>Round Table</a:t>
+              <a:rPr lang="en-US" dirty="0"/>
+              <a:t>Thank you!</a:t>
             </a:r>
             <a:br>
-              <a:rPr lang="en-GB" i="1" dirty="0"/>
+              <a:rPr lang="en-US" dirty="0"/>
             </a:br>
-            <a:endParaRPr lang="en-GB" i="1" dirty="0"/>
-          </a:p>
-        </p:txBody>
-      </p:sp>
-      <p:sp>
-        <p:nvSpPr>
-          <p:cNvPr id="2" name="TextBox 1">
-            <a:extLst>
-              <a:ext uri="{FF2B5EF4-FFF2-40B4-BE49-F238E27FC236}">
-                <a16:creationId xmlns:a16="http://schemas.microsoft.com/office/drawing/2014/main" id="{9CC393E4-0B81-0C0D-EF5E-67684FA6F8EF}"/>
-              </a:ext>
-            </a:extLst>
-          </p:cNvPr>
-          <p:cNvSpPr txBox="1"/>
-          <p:nvPr/>
-        </p:nvSpPr>
-        <p:spPr>
-          <a:xfrm>
-            <a:off x="762000" y="1295400"/>
-            <a:ext cx="10515600" cy="4648200"/>
-          </a:xfrm>
-          <a:prstGeom prst="rect">
-            <a:avLst/>
-          </a:prstGeom>
-          <a:noFill/>
-        </p:spPr>
-        <p:txBody>
-          <a:bodyPr wrap="none" lIns="0" tIns="0" rIns="0" bIns="0" rtlCol="0">
-            <a:noAutofit/>
-          </a:bodyPr>
-          <a:lstStyle/>
-          <a:p>
-            <a:pPr marL="285750" indent="-285750">
-              <a:lnSpc>
-                <a:spcPct val="90000"/>
-              </a:lnSpc>
-              <a:buFont typeface="Arial" panose="020B0604020202020204" pitchFamily="34" charset="0"/>
-              <a:buChar char="•"/>
-            </a:pPr>
-            <a:r>
-              <a:rPr lang="en-US" sz="2400" dirty="0">
-                <a:latin typeface="+mj-lt"/>
-              </a:rPr>
-              <a:t>Anything you would like to add? </a:t>
-            </a:r>
-          </a:p>
-          <a:p>
-            <a:pPr marL="285750" indent="-285750">
-              <a:lnSpc>
-                <a:spcPct val="90000"/>
-              </a:lnSpc>
-              <a:buFont typeface="Arial" panose="020B0604020202020204" pitchFamily="34" charset="0"/>
-              <a:buChar char="•"/>
-            </a:pPr>
-            <a:r>
-              <a:rPr lang="en-US" sz="2400" dirty="0">
-                <a:latin typeface="+mj-lt"/>
-              </a:rPr>
-              <a:t>Any feedback?</a:t>
-            </a:r>
-            <a:endParaRPr lang="en-GB" sz="2400" dirty="0">
-              <a:latin typeface="+mj-lt"/>
-            </a:endParaRPr>
+            <a:r>
+              <a:rPr lang="en-US" i="1" dirty="0"/>
+              <a:t>Let’s Build What’s Next — Together</a:t>
+            </a:r>
+            <a:br>
+              <a:rPr lang="en-US" dirty="0"/>
+            </a:br>
+            <a:endParaRPr lang="en-US" dirty="0"/>
           </a:p>
         </p:txBody>
       </p:sp>
     </p:spTree>
     <p:extLst>
       <p:ext uri="{BB962C8B-B14F-4D97-AF65-F5344CB8AC3E}">
-        <p14:creationId xmlns:p14="http://schemas.microsoft.com/office/powerpoint/2010/main" val="1868451139"/>
+        <p14:creationId xmlns:p14="http://schemas.microsoft.com/office/powerpoint/2010/main" val="1447782276"/>
       </p:ext>
     </p:extLst>
   </p:cSld>
   <p:clrMapOvr>
     <a:masterClrMapping/>
   </p:clrMapOvr>
+  <mc:AlternateContent xmlns:mc="http://schemas.openxmlformats.org/markup-compatibility/2006" xmlns:p14="http://schemas.microsoft.com/office/powerpoint/2010/main">
+    <mc:Choice Requires="p14">
+      <p:transition spd="med" p14:dur="700">
+        <p:fade/>
+      </p:transition>
+    </mc:Choice>
+    <mc:Fallback xmlns="">
+      <p:transition spd="med">
+        <p:fade/>
+      </p:transition>
+    </mc:Fallback>
+  </mc:AlternateContent>
 </p:sld>
 </file>
 
@@ -23843,51 +23901,10 @@
       </p:grpSpPr>
       <p:sp>
         <p:nvSpPr>
-          <p:cNvPr id="16" name="Text Placeholder 15">
+          <p:cNvPr id="3" name="Title 2">
             <a:extLst>
               <a:ext uri="{FF2B5EF4-FFF2-40B4-BE49-F238E27FC236}">
-                <a16:creationId xmlns:a16="http://schemas.microsoft.com/office/drawing/2014/main" id="{AE94DB59-2993-41B8-AA2D-A95E6BF6DDA3}"/>
-              </a:ext>
-            </a:extLst>
-          </p:cNvPr>
-          <p:cNvSpPr>
-            <a:spLocks noGrp="1"/>
-          </p:cNvSpPr>
-          <p:nvPr>
-            <p:ph type="body" sz="quarter" idx="13"/>
-          </p:nvPr>
-        </p:nvSpPr>
-        <p:spPr/>
-        <p:txBody>
-          <a:bodyPr/>
-          <a:lstStyle/>
-          <a:p>
-            <a:r>
-              <a:rPr lang="es-CR" dirty="0">
-                <a:hlinkClick r:id="rId2"/>
-              </a:rPr>
-              <a:t>miguel-andres.salazar@hpe.com</a:t>
-            </a:r>
-            <a:endParaRPr lang="es-CR" dirty="0"/>
-          </a:p>
-          <a:p>
-            <a:r>
-              <a:rPr lang="en-US" dirty="0"/>
-              <a:t>+1 833 698 1869 Ext. 2031163</a:t>
-            </a:r>
-            <a:endParaRPr lang="es-CR" dirty="0"/>
-          </a:p>
-          <a:p>
-            <a:endParaRPr lang="en-US" dirty="0"/>
-          </a:p>
-        </p:txBody>
-      </p:sp>
-      <p:sp>
-        <p:nvSpPr>
-          <p:cNvPr id="3" name="Title">
-            <a:extLst>
-              <a:ext uri="{FF2B5EF4-FFF2-40B4-BE49-F238E27FC236}">
-                <a16:creationId xmlns:a16="http://schemas.microsoft.com/office/drawing/2014/main" id="{3817C569-99BE-4C61-8DBB-67B2DD76189C}"/>
+                <a16:creationId xmlns:a16="http://schemas.microsoft.com/office/drawing/2014/main" id="{A1129DDE-3412-5CF1-FDCB-39BD19280123}"/>
               </a:ext>
             </a:extLst>
           </p:cNvPr>
@@ -23898,38 +23915,27 @@
             <p:ph type="title"/>
           </p:nvPr>
         </p:nvSpPr>
-        <p:spPr>
-          <a:xfrm>
-            <a:off x="293442" y="1029016"/>
-            <a:ext cx="10251171" cy="2828660"/>
-          </a:xfrm>
-        </p:spPr>
+        <p:spPr/>
         <p:txBody>
           <a:bodyPr/>
           <a:lstStyle/>
           <a:p>
             <a:r>
-              <a:rPr lang="en-US" dirty="0"/>
-              <a:t>Thank you!</a:t>
-            </a:r>
-            <a:br>
-              <a:rPr lang="en-US" dirty="0"/>
-            </a:br>
-            <a:r>
-              <a:rPr lang="en-US" i="1" dirty="0"/>
-              <a:t>Let’s Build What’s Next — Together</a:t>
-            </a:r>
-            <a:br>
-              <a:rPr lang="en-US" dirty="0"/>
-            </a:br>
-            <a:endParaRPr lang="en-US" dirty="0"/>
+              <a:rPr lang="es-CR" dirty="0"/>
+              <a:t>Back-Up </a:t>
+            </a:r>
+            <a:r>
+              <a:rPr lang="es-CR" dirty="0" err="1"/>
+              <a:t>Slides</a:t>
+            </a:r>
+            <a:endParaRPr lang="en-GB" dirty="0"/>
           </a:p>
         </p:txBody>
       </p:sp>
     </p:spTree>
     <p:extLst>
       <p:ext uri="{BB962C8B-B14F-4D97-AF65-F5344CB8AC3E}">
-        <p14:creationId xmlns:p14="http://schemas.microsoft.com/office/powerpoint/2010/main" val="1447782276"/>
+        <p14:creationId xmlns:p14="http://schemas.microsoft.com/office/powerpoint/2010/main" val="2907432691"/>
       </p:ext>
     </p:extLst>
   </p:cSld>
@@ -23943,6 +23949,473 @@
       </p:transition>
     </mc:Choice>
     <mc:Fallback xmlns="">
+      <p:transition spd="med">
+        <p:fade/>
+      </p:transition>
+    </mc:Fallback>
+  </mc:AlternateContent>
+</p:sld>
+</file>
+
+<file path=ppt/slides/slide13.xml><?xml version="1.0" encoding="utf-8"?>
+<p:sld xmlns:a="http://schemas.openxmlformats.org/drawingml/2006/main" xmlns:r="http://schemas.openxmlformats.org/officeDocument/2006/relationships" xmlns:p="http://schemas.openxmlformats.org/presentationml/2006/main">
+  <p:cSld>
+    <p:spTree>
+      <p:nvGrpSpPr>
+        <p:cNvPr id="1" name="">
+          <a:extLst>
+            <a:ext uri="{FF2B5EF4-FFF2-40B4-BE49-F238E27FC236}">
+              <a16:creationId xmlns:a16="http://schemas.microsoft.com/office/drawing/2014/main" id="{74362569-6104-B196-A407-EDB3B4E42E7F}"/>
+            </a:ext>
+          </a:extLst>
+        </p:cNvPr>
+        <p:cNvGrpSpPr/>
+        <p:nvPr/>
+      </p:nvGrpSpPr>
+      <p:grpSpPr>
+        <a:xfrm>
+          <a:off x="0" y="0"/>
+          <a:ext cx="0" cy="0"/>
+          <a:chOff x="0" y="0"/>
+          <a:chExt cx="0" cy="0"/>
+        </a:xfrm>
+      </p:grpSpPr>
+      <p:sp>
+        <p:nvSpPr>
+          <p:cNvPr id="4" name="Title 3">
+            <a:extLst>
+              <a:ext uri="{FF2B5EF4-FFF2-40B4-BE49-F238E27FC236}">
+                <a16:creationId xmlns:a16="http://schemas.microsoft.com/office/drawing/2014/main" id="{46049E1F-EA95-7FD6-34E3-324C4F2D6A5A}"/>
+              </a:ext>
+            </a:extLst>
+          </p:cNvPr>
+          <p:cNvSpPr>
+            <a:spLocks noGrp="1"/>
+          </p:cNvSpPr>
+          <p:nvPr>
+            <p:ph type="title"/>
+          </p:nvPr>
+        </p:nvSpPr>
+        <p:spPr>
+          <a:xfrm>
+            <a:off x="702467" y="304948"/>
+            <a:ext cx="10969943" cy="852364"/>
+          </a:xfrm>
+        </p:spPr>
+        <p:txBody>
+          <a:bodyPr/>
+          <a:lstStyle/>
+          <a:p>
+            <a:r>
+              <a:rPr lang="en-GB" sz="3200" i="1" dirty="0"/>
+              <a:t>Production Considerations</a:t>
+            </a:r>
+          </a:p>
+        </p:txBody>
+      </p:sp>
+      <p:sp>
+        <p:nvSpPr>
+          <p:cNvPr id="5" name="TextBox 4">
+            <a:extLst>
+              <a:ext uri="{FF2B5EF4-FFF2-40B4-BE49-F238E27FC236}">
+                <a16:creationId xmlns:a16="http://schemas.microsoft.com/office/drawing/2014/main" id="{A6A7DF0E-BB52-D477-E548-4625D852E8C0}"/>
+              </a:ext>
+            </a:extLst>
+          </p:cNvPr>
+          <p:cNvSpPr txBox="1"/>
+          <p:nvPr/>
+        </p:nvSpPr>
+        <p:spPr>
+          <a:xfrm>
+            <a:off x="1402080" y="1442720"/>
+            <a:ext cx="9723120" cy="4524315"/>
+          </a:xfrm>
+          <a:prstGeom prst="rect">
+            <a:avLst/>
+          </a:prstGeom>
+          <a:noFill/>
+          <a:ln w="57150">
+            <a:noFill/>
+            <a:miter lim="800000"/>
+          </a:ln>
+        </p:spPr>
+        <p:txBody>
+          <a:bodyPr wrap="square">
+            <a:spAutoFit/>
+          </a:bodyPr>
+          <a:lstStyle/>
+          <a:p>
+            <a:pPr>
+              <a:buNone/>
+            </a:pPr>
+            <a:r>
+              <a:rPr lang="en-GB" sz="2400" b="1" dirty="0"/>
+              <a:t>How to Scale:</a:t>
+            </a:r>
+          </a:p>
+          <a:p>
+            <a:pPr>
+              <a:buNone/>
+            </a:pPr>
+            <a:endParaRPr lang="en-GB" sz="2400" dirty="0"/>
+          </a:p>
+          <a:p>
+            <a:pPr marL="342900" indent="-342900">
+              <a:buFont typeface="Arial" panose="020B0604020202020204" pitchFamily="34" charset="0"/>
+              <a:buChar char="•"/>
+            </a:pPr>
+            <a:r>
+              <a:rPr lang="en-GB" sz="2400" i="1" dirty="0"/>
+              <a:t>Use vector DB (FAISS, </a:t>
+            </a:r>
+            <a:r>
+              <a:rPr lang="en-GB" sz="2400" i="1" dirty="0" err="1"/>
+              <a:t>Qdrant</a:t>
+            </a:r>
+            <a:r>
+              <a:rPr lang="en-GB" sz="2400" i="1" dirty="0"/>
+              <a:t>, </a:t>
+            </a:r>
+            <a:r>
+              <a:rPr lang="en-GB" sz="2400" i="1" dirty="0" err="1"/>
+              <a:t>Weaviate</a:t>
+            </a:r>
+            <a:r>
+              <a:rPr lang="en-GB" sz="2400" i="1" dirty="0"/>
+              <a:t>) for scalable retrieval.</a:t>
+            </a:r>
+          </a:p>
+          <a:p>
+            <a:pPr marL="342900" indent="-342900">
+              <a:buFont typeface="Arial" panose="020B0604020202020204" pitchFamily="34" charset="0"/>
+              <a:buChar char="•"/>
+            </a:pPr>
+            <a:r>
+              <a:rPr lang="en-GB" sz="2400" i="1" dirty="0"/>
+              <a:t>Replace PDF loader with </a:t>
+            </a:r>
+            <a:r>
+              <a:rPr lang="en-GB" sz="2400" i="1" dirty="0" err="1"/>
+              <a:t>DocArray</a:t>
+            </a:r>
+            <a:r>
+              <a:rPr lang="en-GB" sz="2400" i="1" dirty="0"/>
+              <a:t> or </a:t>
+            </a:r>
+            <a:r>
+              <a:rPr lang="en-GB" sz="2400" i="1" dirty="0" err="1"/>
+              <a:t>LangChain</a:t>
+            </a:r>
+            <a:r>
+              <a:rPr lang="en-GB" sz="2400" i="1" dirty="0"/>
+              <a:t> loaders.</a:t>
+            </a:r>
+          </a:p>
+          <a:p>
+            <a:pPr marL="342900" indent="-342900">
+              <a:buFont typeface="Arial" panose="020B0604020202020204" pitchFamily="34" charset="0"/>
+              <a:buChar char="•"/>
+            </a:pPr>
+            <a:r>
+              <a:rPr lang="en-GB" sz="2400" i="1" dirty="0"/>
+              <a:t>Host LLM via </a:t>
+            </a:r>
+            <a:r>
+              <a:rPr lang="en-GB" sz="2400" i="1" dirty="0" err="1"/>
+              <a:t>vLLM</a:t>
+            </a:r>
+            <a:r>
+              <a:rPr lang="en-GB" sz="2400" i="1" dirty="0"/>
+              <a:t> for better performance (GPU-optional).</a:t>
+            </a:r>
+          </a:p>
+          <a:p>
+            <a:pPr marL="342900" indent="-342900">
+              <a:buFont typeface="Arial" panose="020B0604020202020204" pitchFamily="34" charset="0"/>
+              <a:buChar char="•"/>
+            </a:pPr>
+            <a:r>
+              <a:rPr lang="en-GB" sz="2400" i="1" dirty="0"/>
+              <a:t>Add UI (</a:t>
+            </a:r>
+            <a:r>
+              <a:rPr lang="en-GB" sz="2400" i="1" dirty="0" err="1"/>
+              <a:t>Gradio</a:t>
+            </a:r>
+            <a:r>
+              <a:rPr lang="en-GB" sz="2400" i="1" dirty="0"/>
+              <a:t> or </a:t>
+            </a:r>
+            <a:r>
+              <a:rPr lang="en-GB" sz="2400" i="1" dirty="0" err="1"/>
+              <a:t>Streamlit</a:t>
+            </a:r>
+            <a:r>
+              <a:rPr lang="en-GB" sz="2400" i="1" dirty="0"/>
+              <a:t>) for non-technical usage.</a:t>
+            </a:r>
+          </a:p>
+          <a:p>
+            <a:pPr marL="342900" indent="-342900">
+              <a:buFont typeface="Arial" panose="020B0604020202020204" pitchFamily="34" charset="0"/>
+              <a:buChar char="•"/>
+            </a:pPr>
+            <a:r>
+              <a:rPr lang="en-GB" sz="2400" i="1" dirty="0"/>
+              <a:t>Integrate RAG evaluation metrics (Faithfulness, Context Recall).</a:t>
+            </a:r>
+          </a:p>
+          <a:p>
+            <a:pPr marL="342900" indent="-342900">
+              <a:buFont typeface="Arial" panose="020B0604020202020204" pitchFamily="34" charset="0"/>
+              <a:buChar char="•"/>
+            </a:pPr>
+            <a:r>
+              <a:rPr lang="en-GB" sz="2400" i="1" dirty="0"/>
+              <a:t>Implement security measures (AI Governance Approval).</a:t>
+            </a:r>
+          </a:p>
+          <a:p>
+            <a:pPr marL="342900" indent="-342900">
+              <a:buFont typeface="Arial" panose="020B0604020202020204" pitchFamily="34" charset="0"/>
+              <a:buChar char="•"/>
+            </a:pPr>
+            <a:r>
+              <a:rPr lang="en-GB" sz="2400" i="1" dirty="0"/>
+              <a:t>Alternative to the ones above, investigate implement to </a:t>
+            </a:r>
+            <a:r>
+              <a:rPr lang="en-GB" sz="2400" i="1" dirty="0" err="1"/>
+              <a:t>GreenLake</a:t>
+            </a:r>
+            <a:r>
+              <a:rPr lang="en-GB" sz="2400" i="1" dirty="0"/>
+              <a:t> Intelligence infrastructure.  </a:t>
+            </a:r>
+          </a:p>
+          <a:p>
+            <a:endParaRPr lang="en-GB" sz="2400" dirty="0"/>
+          </a:p>
+          <a:p>
+            <a:pPr>
+              <a:buNone/>
+            </a:pPr>
+            <a:r>
+              <a:rPr lang="en-GB" sz="2400" b="1" dirty="0"/>
+              <a:t>CI/CD Pipeline:</a:t>
+            </a:r>
+            <a:r>
+              <a:rPr lang="en-GB" sz="2400" dirty="0"/>
+              <a:t> </a:t>
+            </a:r>
+            <a:r>
+              <a:rPr lang="en-GB" sz="2400" dirty="0" err="1"/>
+              <a:t>Dockerize</a:t>
+            </a:r>
+            <a:r>
+              <a:rPr lang="en-GB" sz="2400" dirty="0"/>
+              <a:t>, use </a:t>
+            </a:r>
+            <a:r>
+              <a:rPr lang="en-GB" sz="2400" dirty="0" err="1"/>
+              <a:t>MLflow</a:t>
+            </a:r>
+            <a:r>
+              <a:rPr lang="en-GB" sz="2400" dirty="0"/>
+              <a:t> to track model/version.</a:t>
+            </a:r>
+          </a:p>
+        </p:txBody>
+      </p:sp>
+    </p:spTree>
+    <p:extLst>
+      <p:ext uri="{BB962C8B-B14F-4D97-AF65-F5344CB8AC3E}">
+        <p14:creationId xmlns:p14="http://schemas.microsoft.com/office/powerpoint/2010/main" val="3280874045"/>
+      </p:ext>
+    </p:extLst>
+  </p:cSld>
+  <p:clrMapOvr>
+    <a:masterClrMapping/>
+  </p:clrMapOvr>
+  <mc:AlternateContent xmlns:mc="http://schemas.openxmlformats.org/markup-compatibility/2006" xmlns:p14="http://schemas.microsoft.com/office/powerpoint/2010/main">
+    <mc:Choice Requires="p14">
+      <p:transition spd="med" p14:dur="700">
+        <p:fade/>
+      </p:transition>
+    </mc:Choice>
+    <mc:Fallback xmlns="">
+      <p:transition spd="med">
+        <p:fade/>
+      </p:transition>
+    </mc:Fallback>
+  </mc:AlternateContent>
+</p:sld>
+</file>
+
+<file path=ppt/slides/slide14.xml><?xml version="1.0" encoding="utf-8"?>
+<p:sld xmlns:a="http://schemas.openxmlformats.org/drawingml/2006/main" xmlns:r="http://schemas.openxmlformats.org/officeDocument/2006/relationships" xmlns:p="http://schemas.openxmlformats.org/presentationml/2006/main">
+  <p:cSld>
+    <p:spTree>
+      <p:nvGrpSpPr>
+        <p:cNvPr id="1" name="">
+          <a:extLst>
+            <a:ext uri="{FF2B5EF4-FFF2-40B4-BE49-F238E27FC236}">
+              <a16:creationId xmlns:a16="http://schemas.microsoft.com/office/drawing/2014/main" id="{B1B60BC7-44D2-FEDC-5629-6ABC64938E5A}"/>
+            </a:ext>
+          </a:extLst>
+        </p:cNvPr>
+        <p:cNvGrpSpPr/>
+        <p:nvPr/>
+      </p:nvGrpSpPr>
+      <p:grpSpPr>
+        <a:xfrm>
+          <a:off x="0" y="0"/>
+          <a:ext cx="0" cy="0"/>
+          <a:chOff x="0" y="0"/>
+          <a:chExt cx="0" cy="0"/>
+        </a:xfrm>
+      </p:grpSpPr>
+      <p:sp>
+        <p:nvSpPr>
+          <p:cNvPr id="4" name="Title 3">
+            <a:extLst>
+              <a:ext uri="{FF2B5EF4-FFF2-40B4-BE49-F238E27FC236}">
+                <a16:creationId xmlns:a16="http://schemas.microsoft.com/office/drawing/2014/main" id="{F3743929-A67D-E2FE-1003-54A891F43E2E}"/>
+              </a:ext>
+            </a:extLst>
+          </p:cNvPr>
+          <p:cNvSpPr>
+            <a:spLocks noGrp="1"/>
+          </p:cNvSpPr>
+          <p:nvPr>
+            <p:ph type="title"/>
+          </p:nvPr>
+        </p:nvSpPr>
+        <p:spPr>
+          <a:xfrm>
+            <a:off x="702467" y="304948"/>
+            <a:ext cx="10969943" cy="852364"/>
+          </a:xfrm>
+        </p:spPr>
+        <p:txBody>
+          <a:bodyPr/>
+          <a:lstStyle/>
+          <a:p>
+            <a:r>
+              <a:rPr lang="en-GB" sz="3200" i="1" dirty="0"/>
+              <a:t>Production Considerations</a:t>
+            </a:r>
+          </a:p>
+        </p:txBody>
+      </p:sp>
+      <p:sp>
+        <p:nvSpPr>
+          <p:cNvPr id="5" name="TextBox 4">
+            <a:extLst>
+              <a:ext uri="{FF2B5EF4-FFF2-40B4-BE49-F238E27FC236}">
+                <a16:creationId xmlns:a16="http://schemas.microsoft.com/office/drawing/2014/main" id="{3360F9A1-8877-5E78-F5E5-7B200980FBFF}"/>
+              </a:ext>
+            </a:extLst>
+          </p:cNvPr>
+          <p:cNvSpPr txBox="1"/>
+          <p:nvPr/>
+        </p:nvSpPr>
+        <p:spPr>
+          <a:xfrm>
+            <a:off x="1402080" y="1442720"/>
+            <a:ext cx="9723120" cy="3416320"/>
+          </a:xfrm>
+          <a:prstGeom prst="rect">
+            <a:avLst/>
+          </a:prstGeom>
+          <a:noFill/>
+          <a:ln w="57150">
+            <a:noFill/>
+            <a:miter lim="800000"/>
+          </a:ln>
+        </p:spPr>
+        <p:txBody>
+          <a:bodyPr wrap="square">
+            <a:spAutoFit/>
+          </a:bodyPr>
+          <a:lstStyle/>
+          <a:p>
+            <a:pPr>
+              <a:buNone/>
+            </a:pPr>
+            <a:r>
+              <a:rPr lang="en-GB" sz="2400" b="1" dirty="0"/>
+              <a:t>How to Improve the solution:</a:t>
+            </a:r>
+          </a:p>
+          <a:p>
+            <a:pPr>
+              <a:buNone/>
+            </a:pPr>
+            <a:endParaRPr lang="en-GB" sz="2400" dirty="0"/>
+          </a:p>
+          <a:p>
+            <a:pPr marL="342900" indent="-342900">
+              <a:buFont typeface="Arial" panose="020B0604020202020204" pitchFamily="34" charset="0"/>
+              <a:buChar char="•"/>
+            </a:pPr>
+            <a:r>
+              <a:rPr lang="en-US" sz="2400" i="1" dirty="0"/>
+              <a:t>Use a more powerful and faster language model (LLM), ideally hosted locally to reduce latency.</a:t>
+            </a:r>
+          </a:p>
+          <a:p>
+            <a:pPr marL="342900" indent="-342900">
+              <a:buFont typeface="Arial" panose="020B0604020202020204" pitchFamily="34" charset="0"/>
+              <a:buChar char="•"/>
+            </a:pPr>
+            <a:r>
+              <a:rPr lang="en-US" sz="2400" i="1" dirty="0"/>
+              <a:t>Enhance context retrieval by:</a:t>
+            </a:r>
+          </a:p>
+          <a:p>
+            <a:r>
+              <a:rPr lang="en-US" sz="2400" i="1" dirty="0"/>
+              <a:t>- Adding metadata to the embeddings (e.g., source, document type, date).</a:t>
+            </a:r>
+          </a:p>
+          <a:p>
+            <a:r>
+              <a:rPr lang="en-US" sz="2400" i="1" dirty="0"/>
+              <a:t>- Applying additional semantic filters when querying the vector database.</a:t>
+            </a:r>
+          </a:p>
+          <a:p>
+            <a:pPr marL="342900" indent="-342900">
+              <a:buFont typeface="Arial" panose="020B0604020202020204" pitchFamily="34" charset="0"/>
+              <a:buChar char="•"/>
+            </a:pPr>
+            <a:r>
+              <a:rPr lang="en-US" sz="2400" i="1" dirty="0"/>
+              <a:t>Improve response accuracy by re-ranking the search results from the vector database based on relevance.</a:t>
+            </a:r>
+            <a:endParaRPr lang="en-GB" sz="2400" dirty="0"/>
+          </a:p>
+        </p:txBody>
+      </p:sp>
+    </p:spTree>
+    <p:extLst>
+      <p:ext uri="{BB962C8B-B14F-4D97-AF65-F5344CB8AC3E}">
+        <p14:creationId xmlns:p14="http://schemas.microsoft.com/office/powerpoint/2010/main" val="2914259345"/>
+      </p:ext>
+    </p:extLst>
+  </p:cSld>
+  <p:clrMapOvr>
+    <a:masterClrMapping/>
+  </p:clrMapOvr>
+  <mc:AlternateContent xmlns:mc="http://schemas.openxmlformats.org/markup-compatibility/2006">
+    <mc:Choice xmlns:p14="http://schemas.microsoft.com/office/powerpoint/2010/main" Requires="p14">
+      <p:transition spd="med" p14:dur="700">
+        <p:fade/>
+      </p:transition>
+    </mc:Choice>
+    <mc:Fallback>
       <p:transition spd="med">
         <p:fade/>
       </p:transition>
@@ -24191,7 +24664,7 @@
             </a:r>
             <a:r>
               <a:rPr lang="en-GB" dirty="0"/>
-              <a:t> Build a minimal Retrieval-Augmented Generation (RAG) system using a local LLM and custom embedding-based retrieval.</a:t>
+              <a:t> Build a RAG system using a local LLM and custom embedding-based retrieval.</a:t>
             </a:r>
           </a:p>
           <a:p>
@@ -24357,7 +24830,7 @@
             </a:pPr>
             <a:r>
               <a:rPr lang="en-GB" sz="2400" dirty="0"/>
-              <a:t>Local semantic search using </a:t>
+              <a:t> Local semantic search using </a:t>
             </a:r>
             <a:r>
               <a:rPr lang="en-GB" sz="2400" dirty="0" err="1"/>
@@ -24383,7 +24856,7 @@
             </a:pPr>
             <a:r>
               <a:rPr lang="en-GB" sz="2400" dirty="0"/>
-              <a:t>Local response generation using Falcon-RW-1B.</a:t>
+              <a:t> Local response generation using Falcon-RW-1B.</a:t>
             </a:r>
           </a:p>
           <a:p>
@@ -24393,7 +24866,7 @@
             </a:pPr>
             <a:r>
               <a:rPr lang="en-GB" sz="2400" dirty="0"/>
-              <a:t>Query flow:</a:t>
+              <a:t> Query flow:</a:t>
             </a:r>
           </a:p>
           <a:p>
@@ -24492,7 +24965,7 @@
         </p:nvSpPr>
         <p:spPr>
           <a:xfrm>
-            <a:off x="357582" y="264412"/>
+            <a:off x="194660" y="82278"/>
             <a:ext cx="5317036" cy="573024"/>
           </a:xfrm>
         </p:spPr>
@@ -24536,7 +25009,7 @@
         </p:blipFill>
         <p:spPr bwMode="auto">
           <a:xfrm>
-            <a:off x="357582" y="1241312"/>
+            <a:off x="563880" y="1241312"/>
             <a:ext cx="1166495" cy="1166495"/>
           </a:xfrm>
           <a:prstGeom prst="rect">
@@ -24635,8 +25108,8 @@
         </p:nvCxnSpPr>
         <p:spPr>
           <a:xfrm>
-            <a:off x="1500581" y="1840308"/>
-            <a:ext cx="702234" cy="0"/>
+            <a:off x="1500996" y="1840308"/>
+            <a:ext cx="701819" cy="0"/>
           </a:xfrm>
           <a:prstGeom prst="straightConnector1">
             <a:avLst/>
@@ -24977,419 +25450,14 @@
           <p:cNvCxnSpPr>
             <a:cxnSpLocks/>
             <a:stCxn id="34" idx="6"/>
+            <a:endCxn id="47" idx="2"/>
           </p:cNvCxnSpPr>
           <p:nvPr/>
         </p:nvCxnSpPr>
         <p:spPr>
           <a:xfrm flipV="1">
-            <a:off x="9493332" y="1796453"/>
-            <a:ext cx="965151" cy="28107"/>
-          </a:xfrm>
-          <a:prstGeom prst="straightConnector1">
-            <a:avLst/>
-          </a:prstGeom>
-          <a:ln w="38100">
-            <a:solidFill>
-              <a:schemeClr val="tx1"/>
-            </a:solidFill>
-            <a:tailEnd type="triangle"/>
-          </a:ln>
-        </p:spPr>
-        <p:style>
-          <a:lnRef idx="1">
-            <a:schemeClr val="accent1"/>
-          </a:lnRef>
-          <a:fillRef idx="0">
-            <a:schemeClr val="accent1"/>
-          </a:fillRef>
-          <a:effectRef idx="0">
-            <a:schemeClr val="accent1"/>
-          </a:effectRef>
-          <a:fontRef idx="minor">
-            <a:schemeClr val="tx1"/>
-          </a:fontRef>
-        </p:style>
-      </p:cxnSp>
-      <p:sp>
-        <p:nvSpPr>
-          <p:cNvPr id="53" name="Cloud 52">
-            <a:extLst>
-              <a:ext uri="{FF2B5EF4-FFF2-40B4-BE49-F238E27FC236}">
-                <a16:creationId xmlns:a16="http://schemas.microsoft.com/office/drawing/2014/main" id="{3182F649-7196-FE3B-ED34-8EF19A4667C6}"/>
-              </a:ext>
-            </a:extLst>
-          </p:cNvPr>
-          <p:cNvSpPr/>
-          <p:nvPr/>
-        </p:nvSpPr>
-        <p:spPr bwMode="ltGray">
-          <a:xfrm>
-            <a:off x="7437711" y="4299068"/>
-            <a:ext cx="1953522" cy="823976"/>
-          </a:xfrm>
-          <a:prstGeom prst="cloud">
-            <a:avLst/>
-          </a:prstGeom>
-          <a:noFill/>
-          <a:ln w="57150">
-            <a:solidFill>
-              <a:schemeClr val="accent1"/>
-            </a:solidFill>
-          </a:ln>
-        </p:spPr>
-        <p:style>
-          <a:lnRef idx="2">
-            <a:schemeClr val="accent1">
-              <a:shade val="50000"/>
-            </a:schemeClr>
-          </a:lnRef>
-          <a:fillRef idx="1">
-            <a:schemeClr val="accent1"/>
-          </a:fillRef>
-          <a:effectRef idx="0">
-            <a:schemeClr val="accent1"/>
-          </a:effectRef>
-          <a:fontRef idx="minor">
-            <a:schemeClr val="lt1"/>
-          </a:fontRef>
-        </p:style>
-        <p:txBody>
-          <a:bodyPr tIns="91440" bIns="91440" rtlCol="0" anchor="ctr"/>
-          <a:lstStyle/>
-          <a:p>
-            <a:pPr algn="ctr"/>
-            <a:r>
-              <a:rPr lang="es-CR" i="1" dirty="0" err="1">
-                <a:solidFill>
-                  <a:schemeClr val="tx1"/>
-                </a:solidFill>
-              </a:rPr>
-              <a:t>Embedding</a:t>
-            </a:r>
-            <a:r>
-              <a:rPr lang="es-CR" i="1" dirty="0">
-                <a:solidFill>
-                  <a:schemeClr val="tx1"/>
-                </a:solidFill>
-              </a:rPr>
-              <a:t> </a:t>
-            </a:r>
-            <a:r>
-              <a:rPr lang="es-CR" i="1" dirty="0" err="1">
-                <a:solidFill>
-                  <a:schemeClr val="tx1"/>
-                </a:solidFill>
-              </a:rPr>
-              <a:t>Model</a:t>
-            </a:r>
-            <a:endParaRPr lang="en-GB" i="1" dirty="0" err="1">
-              <a:solidFill>
-                <a:schemeClr val="tx1"/>
-              </a:solidFill>
-            </a:endParaRPr>
-          </a:p>
-        </p:txBody>
-      </p:sp>
-      <p:cxnSp>
-        <p:nvCxnSpPr>
-          <p:cNvPr id="54" name="Straight Arrow Connector 53">
-            <a:extLst>
-              <a:ext uri="{FF2B5EF4-FFF2-40B4-BE49-F238E27FC236}">
-                <a16:creationId xmlns:a16="http://schemas.microsoft.com/office/drawing/2014/main" id="{2DFCD34C-E1BD-C347-F62F-61809485D086}"/>
-              </a:ext>
-            </a:extLst>
-          </p:cNvPr>
-          <p:cNvCxnSpPr>
-            <a:cxnSpLocks/>
-            <a:stCxn id="1032" idx="3"/>
-            <a:endCxn id="53" idx="2"/>
-          </p:cNvCxnSpPr>
-          <p:nvPr/>
-        </p:nvCxnSpPr>
-        <p:spPr>
-          <a:xfrm>
-            <a:off x="6637225" y="4711056"/>
-            <a:ext cx="806546" cy="0"/>
-          </a:xfrm>
-          <a:prstGeom prst="straightConnector1">
-            <a:avLst/>
-          </a:prstGeom>
-          <a:ln w="38100">
-            <a:solidFill>
-              <a:schemeClr val="tx1"/>
-            </a:solidFill>
-            <a:tailEnd type="triangle"/>
-          </a:ln>
-        </p:spPr>
-        <p:style>
-          <a:lnRef idx="1">
-            <a:schemeClr val="accent1"/>
-          </a:lnRef>
-          <a:fillRef idx="0">
-            <a:schemeClr val="accent1"/>
-          </a:fillRef>
-          <a:effectRef idx="0">
-            <a:schemeClr val="accent1"/>
-          </a:effectRef>
-          <a:fontRef idx="minor">
-            <a:schemeClr val="tx1"/>
-          </a:fontRef>
-        </p:style>
-      </p:cxnSp>
-      <p:cxnSp>
-        <p:nvCxnSpPr>
-          <p:cNvPr id="63" name="Straight Arrow Connector 62">
-            <a:extLst>
-              <a:ext uri="{FF2B5EF4-FFF2-40B4-BE49-F238E27FC236}">
-                <a16:creationId xmlns:a16="http://schemas.microsoft.com/office/drawing/2014/main" id="{8ECE8477-3C56-EEC0-EAEF-2C1B403E30E5}"/>
-              </a:ext>
-            </a:extLst>
-          </p:cNvPr>
-          <p:cNvCxnSpPr>
-            <a:cxnSpLocks/>
-            <a:stCxn id="1026" idx="0"/>
-            <a:endCxn id="53" idx="1"/>
-          </p:cNvCxnSpPr>
-          <p:nvPr/>
-        </p:nvCxnSpPr>
-        <p:spPr>
-          <a:xfrm flipV="1">
-            <a:off x="8414472" y="5122167"/>
-            <a:ext cx="0" cy="469927"/>
-          </a:xfrm>
-          <a:prstGeom prst="straightConnector1">
-            <a:avLst/>
-          </a:prstGeom>
-          <a:ln w="38100">
-            <a:solidFill>
-              <a:schemeClr val="tx1"/>
-            </a:solidFill>
-            <a:prstDash val="sysDash"/>
-            <a:tailEnd type="triangle"/>
-          </a:ln>
-        </p:spPr>
-        <p:style>
-          <a:lnRef idx="1">
-            <a:schemeClr val="accent1"/>
-          </a:lnRef>
-          <a:fillRef idx="0">
-            <a:schemeClr val="accent1"/>
-          </a:fillRef>
-          <a:effectRef idx="0">
-            <a:schemeClr val="accent1"/>
-          </a:effectRef>
-          <a:fontRef idx="minor">
-            <a:schemeClr val="tx1"/>
-          </a:fontRef>
-        </p:style>
-      </p:cxnSp>
-      <p:pic>
-        <p:nvPicPr>
-          <p:cNvPr id="1026" name="Picture 1025">
-            <a:extLst>
-              <a:ext uri="{FF2B5EF4-FFF2-40B4-BE49-F238E27FC236}">
-                <a16:creationId xmlns:a16="http://schemas.microsoft.com/office/drawing/2014/main" id="{D7FC9BBA-B005-30B2-6158-1E894F89EFF2}"/>
-              </a:ext>
-            </a:extLst>
-          </p:cNvPr>
-          <p:cNvPicPr>
-            <a:picLocks noChangeAspect="1"/>
-          </p:cNvPicPr>
-          <p:nvPr/>
-        </p:nvPicPr>
-        <p:blipFill>
-          <a:blip r:embed="rId4"/>
-          <a:stretch>
-            <a:fillRect/>
-          </a:stretch>
-        </p:blipFill>
-        <p:spPr>
-          <a:xfrm>
-            <a:off x="7901911" y="5592094"/>
-            <a:ext cx="1025121" cy="1025121"/>
-          </a:xfrm>
-          <a:prstGeom prst="rect">
-            <a:avLst/>
-          </a:prstGeom>
-        </p:spPr>
-      </p:pic>
-      <p:pic>
-        <p:nvPicPr>
-          <p:cNvPr id="1032" name="Picture 8" descr="PDF - Wikipedia">
-            <a:extLst>
-              <a:ext uri="{FF2B5EF4-FFF2-40B4-BE49-F238E27FC236}">
-                <a16:creationId xmlns:a16="http://schemas.microsoft.com/office/drawing/2014/main" id="{37C49285-5ECE-76CD-A366-1C69C0E74656}"/>
-              </a:ext>
-            </a:extLst>
-          </p:cNvPr>
-          <p:cNvPicPr>
-            <a:picLocks noChangeAspect="1" noChangeArrowheads="1"/>
-          </p:cNvPicPr>
-          <p:nvPr/>
-        </p:nvPicPr>
-        <p:blipFill>
-          <a:blip r:embed="rId5" cstate="print">
-            <a:extLst>
-              <a:ext uri="{28A0092B-C50C-407E-A947-70E740481C1C}">
-                <a14:useLocalDpi xmlns:a14="http://schemas.microsoft.com/office/drawing/2010/main" val="0"/>
-              </a:ext>
-            </a:extLst>
-          </a:blip>
-          <a:srcRect/>
-          <a:stretch>
-            <a:fillRect/>
-          </a:stretch>
-        </p:blipFill>
-        <p:spPr bwMode="auto">
-          <a:xfrm>
-            <a:off x="5774236" y="4180288"/>
-            <a:ext cx="862989" cy="1061536"/>
-          </a:xfrm>
-          <a:prstGeom prst="rect">
-            <a:avLst/>
-          </a:prstGeom>
-          <a:noFill/>
-          <a:extLst>
-            <a:ext uri="{909E8E84-426E-40DD-AFC4-6F175D3DCCD1}">
-              <a14:hiddenFill xmlns:a14="http://schemas.microsoft.com/office/drawing/2010/main">
-                <a:solidFill>
-                  <a:srgbClr val="FFFFFF"/>
-                </a:solidFill>
-              </a14:hiddenFill>
-            </a:ext>
-          </a:extLst>
-        </p:spPr>
-      </p:pic>
-      <p:sp>
-        <p:nvSpPr>
-          <p:cNvPr id="1036" name="Oval 1035">
-            <a:extLst>
-              <a:ext uri="{FF2B5EF4-FFF2-40B4-BE49-F238E27FC236}">
-                <a16:creationId xmlns:a16="http://schemas.microsoft.com/office/drawing/2014/main" id="{A2A86303-671B-CFF8-6E56-139CFBE37A67}"/>
-              </a:ext>
-            </a:extLst>
-          </p:cNvPr>
-          <p:cNvSpPr/>
-          <p:nvPr/>
-        </p:nvSpPr>
-        <p:spPr bwMode="ltGray">
-          <a:xfrm>
-            <a:off x="10129217" y="4243696"/>
-            <a:ext cx="1868729" cy="934720"/>
-          </a:xfrm>
-          <a:prstGeom prst="ellipse">
-            <a:avLst/>
-          </a:prstGeom>
-          <a:noFill/>
-          <a:ln w="57150">
-            <a:solidFill>
-              <a:schemeClr val="accent1"/>
-            </a:solidFill>
-          </a:ln>
-        </p:spPr>
-        <p:style>
-          <a:lnRef idx="2">
-            <a:schemeClr val="accent1">
-              <a:shade val="50000"/>
-            </a:schemeClr>
-          </a:lnRef>
-          <a:fillRef idx="1">
-            <a:schemeClr val="accent1"/>
-          </a:fillRef>
-          <a:effectRef idx="0">
-            <a:schemeClr val="accent1"/>
-          </a:effectRef>
-          <a:fontRef idx="minor">
-            <a:schemeClr val="lt1"/>
-          </a:fontRef>
-        </p:style>
-        <p:txBody>
-          <a:bodyPr tIns="91440" bIns="91440" rtlCol="0" anchor="ctr"/>
-          <a:lstStyle/>
-          <a:p>
-            <a:pPr algn="ctr"/>
-            <a:r>
-              <a:rPr lang="es-CR" i="1" dirty="0" err="1">
-                <a:solidFill>
-                  <a:schemeClr val="tx1"/>
-                </a:solidFill>
-              </a:rPr>
-              <a:t>Embeddings</a:t>
-            </a:r>
-            <a:endParaRPr lang="en-GB" i="1" dirty="0" err="1">
-              <a:solidFill>
-                <a:schemeClr val="tx1"/>
-              </a:solidFill>
-            </a:endParaRPr>
-          </a:p>
-        </p:txBody>
-      </p:sp>
-      <p:cxnSp>
-        <p:nvCxnSpPr>
-          <p:cNvPr id="1037" name="Straight Arrow Connector 1036">
-            <a:extLst>
-              <a:ext uri="{FF2B5EF4-FFF2-40B4-BE49-F238E27FC236}">
-                <a16:creationId xmlns:a16="http://schemas.microsoft.com/office/drawing/2014/main" id="{311D791B-EBE5-69F7-44C2-1CA58DC5A507}"/>
-              </a:ext>
-            </a:extLst>
-          </p:cNvPr>
-          <p:cNvCxnSpPr>
-            <a:cxnSpLocks/>
-            <a:stCxn id="53" idx="0"/>
-            <a:endCxn id="1036" idx="2"/>
-          </p:cNvCxnSpPr>
-          <p:nvPr/>
-        </p:nvCxnSpPr>
-        <p:spPr>
-          <a:xfrm>
-            <a:off x="9389605" y="4711056"/>
-            <a:ext cx="739612" cy="0"/>
-          </a:xfrm>
-          <a:prstGeom prst="straightConnector1">
-            <a:avLst/>
-          </a:prstGeom>
-          <a:ln w="38100">
-            <a:solidFill>
-              <a:schemeClr val="tx1"/>
-            </a:solidFill>
-            <a:tailEnd type="triangle"/>
-          </a:ln>
-        </p:spPr>
-        <p:style>
-          <a:lnRef idx="1">
-            <a:schemeClr val="accent1"/>
-          </a:lnRef>
-          <a:fillRef idx="0">
-            <a:schemeClr val="accent1"/>
-          </a:fillRef>
-          <a:effectRef idx="0">
-            <a:schemeClr val="accent1"/>
-          </a:effectRef>
-          <a:fontRef idx="minor">
-            <a:schemeClr val="tx1"/>
-          </a:fontRef>
-        </p:style>
-      </p:cxnSp>
-      <p:cxnSp>
-        <p:nvCxnSpPr>
-          <p:cNvPr id="1045" name="Straight Arrow Connector 1044">
-            <a:extLst>
-              <a:ext uri="{FF2B5EF4-FFF2-40B4-BE49-F238E27FC236}">
-                <a16:creationId xmlns:a16="http://schemas.microsoft.com/office/drawing/2014/main" id="{FF38D740-3FDC-E329-0EE4-B6A4931D6EC5}"/>
-              </a:ext>
-            </a:extLst>
-          </p:cNvPr>
-          <p:cNvCxnSpPr>
-            <a:cxnSpLocks/>
-            <a:stCxn id="1036" idx="0"/>
-            <a:endCxn id="47" idx="3"/>
-          </p:cNvCxnSpPr>
-          <p:nvPr/>
-        </p:nvCxnSpPr>
-        <p:spPr>
-          <a:xfrm flipV="1">
-            <a:off x="11063582" y="2581142"/>
-            <a:ext cx="0" cy="1662554"/>
+            <a:off x="9493332" y="1810506"/>
+            <a:ext cx="1010499" cy="14054"/>
           </a:xfrm>
           <a:prstGeom prst="straightConnector1">
             <a:avLst/>
@@ -25529,33 +25597,32 @@
       </p:sp>
       <p:cxnSp>
         <p:nvCxnSpPr>
-          <p:cNvPr id="1063" name="Connector: Elbow 1062">
+          <p:cNvPr id="5" name="Straight Arrow Connector 4">
             <a:extLst>
               <a:ext uri="{FF2B5EF4-FFF2-40B4-BE49-F238E27FC236}">
-                <a16:creationId xmlns:a16="http://schemas.microsoft.com/office/drawing/2014/main" id="{290248F5-DE5F-E0F9-96FC-1A83AAE68A9B}"/>
+                <a16:creationId xmlns:a16="http://schemas.microsoft.com/office/drawing/2014/main" id="{2D33B9FA-BF91-CB34-1F85-B2B86AF1A799}"/>
               </a:ext>
             </a:extLst>
           </p:cNvPr>
           <p:cNvCxnSpPr>
             <a:cxnSpLocks/>
-            <a:endCxn id="1069" idx="3"/>
+            <a:endCxn id="17" idx="3"/>
           </p:cNvCxnSpPr>
           <p:nvPr/>
         </p:nvCxnSpPr>
         <p:spPr>
-          <a:xfrm rot="10800000" flipV="1">
-            <a:off x="9387791" y="2361214"/>
-            <a:ext cx="1145230" cy="1084571"/>
+          <a:xfrm>
+            <a:off x="5840094" y="1039870"/>
+            <a:ext cx="0" cy="435562"/>
           </a:xfrm>
-          <a:prstGeom prst="bentConnector3">
-            <a:avLst>
-              <a:gd name="adj1" fmla="val 50000"/>
-            </a:avLst>
+          <a:prstGeom prst="straightConnector1">
+            <a:avLst/>
           </a:prstGeom>
           <a:ln w="38100">
             <a:solidFill>
               <a:schemeClr val="tx1"/>
             </a:solidFill>
+            <a:prstDash val="sysDash"/>
             <a:tailEnd type="triangle"/>
           </a:ln>
         </p:spPr>
@@ -25574,172 +25641,1624 @@
           </a:fontRef>
         </p:style>
       </p:cxnSp>
-      <p:sp>
-        <p:nvSpPr>
-          <p:cNvPr id="1069" name="Rectangle: Rounded Corners 1068">
+      <p:pic>
+        <p:nvPicPr>
+          <p:cNvPr id="9" name="Picture 8">
             <a:extLst>
               <a:ext uri="{FF2B5EF4-FFF2-40B4-BE49-F238E27FC236}">
-                <a16:creationId xmlns:a16="http://schemas.microsoft.com/office/drawing/2014/main" id="{BAAFF0B1-DC2A-006C-0F0D-D736F6516B10}"/>
+                <a16:creationId xmlns:a16="http://schemas.microsoft.com/office/drawing/2014/main" id="{B55A53F4-AD3C-EEB5-B8B0-92FF2F4BF9D4}"/>
               </a:ext>
             </a:extLst>
           </p:cNvPr>
-          <p:cNvSpPr/>
+          <p:cNvPicPr>
+            <a:picLocks noChangeAspect="1"/>
+          </p:cNvPicPr>
           <p:nvPr/>
-        </p:nvSpPr>
-        <p:spPr bwMode="ltGray">
+        </p:nvPicPr>
+        <p:blipFill>
+          <a:blip r:embed="rId4"/>
+          <a:stretch>
+            <a:fillRect/>
+          </a:stretch>
+        </p:blipFill>
+        <p:spPr>
           <a:xfrm>
-            <a:off x="8087311" y="3287618"/>
-            <a:ext cx="1300480" cy="316336"/>
+            <a:off x="5437263" y="342272"/>
+            <a:ext cx="768467" cy="768467"/>
           </a:xfrm>
-          <a:prstGeom prst="roundRect">
+          <a:prstGeom prst="rect">
+            <a:avLst/>
+          </a:prstGeom>
+        </p:spPr>
+      </p:pic>
+      <p:sp>
+        <p:nvSpPr>
+          <p:cNvPr id="15" name="TextBox 14">
+            <a:extLst>
+              <a:ext uri="{FF2B5EF4-FFF2-40B4-BE49-F238E27FC236}">
+                <a16:creationId xmlns:a16="http://schemas.microsoft.com/office/drawing/2014/main" id="{ED40E517-0360-867A-7A80-61E77184FD31}"/>
+              </a:ext>
+            </a:extLst>
+          </p:cNvPr>
+          <p:cNvSpPr txBox="1"/>
+          <p:nvPr/>
+        </p:nvSpPr>
+        <p:spPr>
+          <a:xfrm>
+            <a:off x="1690732" y="1411572"/>
+            <a:ext cx="310668" cy="258476"/>
+          </a:xfrm>
+          <a:prstGeom prst="rect">
             <a:avLst/>
           </a:prstGeom>
           <a:noFill/>
           <a:ln w="57150">
-            <a:solidFill>
-              <a:srgbClr val="FFC000"/>
-            </a:solidFill>
+            <a:noFill/>
+            <a:miter lim="800000"/>
           </a:ln>
         </p:spPr>
-        <p:style>
-          <a:lnRef idx="2">
-            <a:schemeClr val="accent1">
-              <a:shade val="50000"/>
-            </a:schemeClr>
-          </a:lnRef>
-          <a:fillRef idx="1">
-            <a:schemeClr val="accent1"/>
-          </a:fillRef>
-          <a:effectRef idx="0">
-            <a:schemeClr val="accent1"/>
-          </a:effectRef>
-          <a:fontRef idx="minor">
-            <a:schemeClr val="lt1"/>
-          </a:fontRef>
-        </p:style>
-        <p:txBody>
-          <a:bodyPr tIns="91440" bIns="91440" rtlCol="0" anchor="ctr"/>
+        <p:txBody>
+          <a:bodyPr wrap="square" lIns="90000" tIns="90000" rIns="90000" bIns="90000" rtlCol="0" anchor="ctr" anchorCtr="0">
+            <a:noAutofit/>
+          </a:bodyPr>
           <a:lstStyle/>
           <a:p>
-            <a:pPr algn="ctr"/>
-            <a:r>
-              <a:rPr lang="es-CR" i="1" dirty="0" err="1">
-                <a:solidFill>
-                  <a:schemeClr val="tx1"/>
-                </a:solidFill>
-              </a:rPr>
-              <a:t>Context</a:t>
-            </a:r>
-            <a:endParaRPr lang="en-GB" i="1" dirty="0" err="1">
-              <a:solidFill>
-                <a:schemeClr val="tx1"/>
-              </a:solidFill>
-            </a:endParaRPr>
-          </a:p>
-        </p:txBody>
-      </p:sp>
-      <p:sp>
-        <p:nvSpPr>
-          <p:cNvPr id="1070" name="Rectangle: Top Corners One Rounded and One Snipped 1069">
+            <a:pPr marL="0" indent="0" algn="ctr">
+              <a:lnSpc>
+                <a:spcPct val="90000"/>
+              </a:lnSpc>
+              <a:spcBef>
+                <a:spcPts val="400"/>
+              </a:spcBef>
+              <a:buFont typeface="MetricHPE" panose="020B0503030202060203" pitchFamily="34" charset="0"/>
+              <a:buNone/>
+            </a:pPr>
+            <a:r>
+              <a:rPr lang="es-CR" dirty="0"/>
+              <a:t>1</a:t>
+            </a:r>
+            <a:endParaRPr lang="en-GB" dirty="0" err="1"/>
+          </a:p>
+        </p:txBody>
+      </p:sp>
+      <p:sp>
+        <p:nvSpPr>
+          <p:cNvPr id="16" name="TextBox 15">
             <a:extLst>
               <a:ext uri="{FF2B5EF4-FFF2-40B4-BE49-F238E27FC236}">
-                <a16:creationId xmlns:a16="http://schemas.microsoft.com/office/drawing/2014/main" id="{B9E8B425-3C67-55E3-E3D3-739F4914D9B7}"/>
+                <a16:creationId xmlns:a16="http://schemas.microsoft.com/office/drawing/2014/main" id="{B5E84A23-D79E-05C6-4D43-201735AD4505}"/>
               </a:ext>
             </a:extLst>
           </p:cNvPr>
-          <p:cNvSpPr/>
+          <p:cNvSpPr txBox="1"/>
           <p:nvPr/>
         </p:nvSpPr>
-        <p:spPr bwMode="ltGray">
+        <p:spPr>
           <a:xfrm>
-            <a:off x="5129373" y="3054954"/>
-            <a:ext cx="1869440" cy="807753"/>
+            <a:off x="4328565" y="1452594"/>
+            <a:ext cx="310668" cy="258476"/>
           </a:xfrm>
-          <a:prstGeom prst="snipRoundRect">
+          <a:prstGeom prst="rect">
             <a:avLst/>
           </a:prstGeom>
           <a:noFill/>
           <a:ln w="57150">
-            <a:solidFill>
-              <a:schemeClr val="accent1"/>
-            </a:solidFill>
+            <a:noFill/>
+            <a:miter lim="800000"/>
           </a:ln>
         </p:spPr>
-        <p:style>
-          <a:lnRef idx="2">
-            <a:schemeClr val="accent1">
-              <a:shade val="50000"/>
-            </a:schemeClr>
-          </a:lnRef>
-          <a:fillRef idx="1">
-            <a:schemeClr val="accent1"/>
-          </a:fillRef>
-          <a:effectRef idx="0">
-            <a:schemeClr val="accent1"/>
-          </a:effectRef>
-          <a:fontRef idx="minor">
-            <a:schemeClr val="lt1"/>
-          </a:fontRef>
-        </p:style>
-        <p:txBody>
-          <a:bodyPr tIns="91440" bIns="91440" rtlCol="0" anchor="ctr"/>
+        <p:txBody>
+          <a:bodyPr wrap="square" lIns="90000" tIns="90000" rIns="90000" bIns="90000" rtlCol="0" anchor="ctr" anchorCtr="0">
+            <a:noAutofit/>
+          </a:bodyPr>
           <a:lstStyle/>
           <a:p>
-            <a:pPr algn="ctr"/>
-            <a:r>
-              <a:rPr lang="es-CR" i="1" dirty="0" err="1">
+            <a:pPr marL="0" indent="0" algn="ctr">
+              <a:lnSpc>
+                <a:spcPct val="90000"/>
+              </a:lnSpc>
+              <a:spcBef>
+                <a:spcPts val="400"/>
+              </a:spcBef>
+              <a:buFont typeface="MetricHPE" panose="020B0503030202060203" pitchFamily="34" charset="0"/>
+              <a:buNone/>
+            </a:pPr>
+            <a:r>
+              <a:rPr lang="es-CR" dirty="0"/>
+              <a:t>2</a:t>
+            </a:r>
+            <a:endParaRPr lang="en-GB" dirty="0" err="1"/>
+          </a:p>
+        </p:txBody>
+      </p:sp>
+      <p:sp>
+        <p:nvSpPr>
+          <p:cNvPr id="18" name="TextBox 17">
+            <a:extLst>
+              <a:ext uri="{FF2B5EF4-FFF2-40B4-BE49-F238E27FC236}">
+                <a16:creationId xmlns:a16="http://schemas.microsoft.com/office/drawing/2014/main" id="{A954F30E-E7F8-C916-144E-12B4619EF728}"/>
+              </a:ext>
+            </a:extLst>
+          </p:cNvPr>
+          <p:cNvSpPr txBox="1"/>
+          <p:nvPr/>
+        </p:nvSpPr>
+        <p:spPr>
+          <a:xfrm>
+            <a:off x="7040498" y="1475432"/>
+            <a:ext cx="310668" cy="258476"/>
+          </a:xfrm>
+          <a:prstGeom prst="rect">
+            <a:avLst/>
+          </a:prstGeom>
+          <a:noFill/>
+          <a:ln w="57150">
+            <a:noFill/>
+            <a:miter lim="800000"/>
+          </a:ln>
+        </p:spPr>
+        <p:txBody>
+          <a:bodyPr wrap="square" lIns="90000" tIns="90000" rIns="90000" bIns="90000" rtlCol="0" anchor="ctr" anchorCtr="0">
+            <a:noAutofit/>
+          </a:bodyPr>
+          <a:lstStyle/>
+          <a:p>
+            <a:pPr marL="0" indent="0" algn="ctr">
+              <a:lnSpc>
+                <a:spcPct val="90000"/>
+              </a:lnSpc>
+              <a:spcBef>
+                <a:spcPts val="400"/>
+              </a:spcBef>
+              <a:buFont typeface="MetricHPE" panose="020B0503030202060203" pitchFamily="34" charset="0"/>
+              <a:buNone/>
+            </a:pPr>
+            <a:r>
+              <a:rPr lang="es-CR" dirty="0"/>
+              <a:t>3</a:t>
+            </a:r>
+            <a:endParaRPr lang="en-GB" dirty="0" err="1"/>
+          </a:p>
+        </p:txBody>
+      </p:sp>
+      <p:sp>
+        <p:nvSpPr>
+          <p:cNvPr id="20" name="TextBox 19">
+            <a:extLst>
+              <a:ext uri="{FF2B5EF4-FFF2-40B4-BE49-F238E27FC236}">
+                <a16:creationId xmlns:a16="http://schemas.microsoft.com/office/drawing/2014/main" id="{8AC1BA5D-469F-C14C-B556-989B75921265}"/>
+              </a:ext>
+            </a:extLst>
+          </p:cNvPr>
+          <p:cNvSpPr txBox="1"/>
+          <p:nvPr/>
+        </p:nvSpPr>
+        <p:spPr>
+          <a:xfrm>
+            <a:off x="9843247" y="1442066"/>
+            <a:ext cx="310668" cy="258476"/>
+          </a:xfrm>
+          <a:prstGeom prst="rect">
+            <a:avLst/>
+          </a:prstGeom>
+          <a:noFill/>
+          <a:ln w="57150">
+            <a:noFill/>
+            <a:miter lim="800000"/>
+          </a:ln>
+        </p:spPr>
+        <p:txBody>
+          <a:bodyPr wrap="square" lIns="90000" tIns="90000" rIns="90000" bIns="90000" rtlCol="0" anchor="ctr" anchorCtr="0">
+            <a:noAutofit/>
+          </a:bodyPr>
+          <a:lstStyle/>
+          <a:p>
+            <a:pPr marL="0" indent="0" algn="ctr">
+              <a:lnSpc>
+                <a:spcPct val="90000"/>
+              </a:lnSpc>
+              <a:spcBef>
+                <a:spcPts val="400"/>
+              </a:spcBef>
+              <a:buFont typeface="MetricHPE" panose="020B0503030202060203" pitchFamily="34" charset="0"/>
+              <a:buNone/>
+            </a:pPr>
+            <a:r>
+              <a:rPr lang="es-CR" dirty="0"/>
+              <a:t>4</a:t>
+            </a:r>
+            <a:endParaRPr lang="en-GB" dirty="0" err="1"/>
+          </a:p>
+        </p:txBody>
+      </p:sp>
+      <p:grpSp>
+        <p:nvGrpSpPr>
+          <p:cNvPr id="38" name="Group 37">
+            <a:extLst>
+              <a:ext uri="{FF2B5EF4-FFF2-40B4-BE49-F238E27FC236}">
+                <a16:creationId xmlns:a16="http://schemas.microsoft.com/office/drawing/2014/main" id="{2F06CDB4-9E20-6FD2-B54B-3DEBD1E63711}"/>
+              </a:ext>
+            </a:extLst>
+          </p:cNvPr>
+          <p:cNvGrpSpPr/>
+          <p:nvPr/>
+        </p:nvGrpSpPr>
+        <p:grpSpPr>
+          <a:xfrm>
+            <a:off x="4228278" y="2615836"/>
+            <a:ext cx="6658919" cy="2062922"/>
+            <a:chOff x="5774236" y="4180288"/>
+            <a:chExt cx="6658919" cy="2062922"/>
+          </a:xfrm>
+        </p:grpSpPr>
+        <p:sp>
+          <p:nvSpPr>
+            <p:cNvPr id="53" name="Cloud 52">
+              <a:extLst>
+                <a:ext uri="{FF2B5EF4-FFF2-40B4-BE49-F238E27FC236}">
+                  <a16:creationId xmlns:a16="http://schemas.microsoft.com/office/drawing/2014/main" id="{3182F649-7196-FE3B-ED34-8EF19A4667C6}"/>
+                </a:ext>
+              </a:extLst>
+            </p:cNvPr>
+            <p:cNvSpPr/>
+            <p:nvPr/>
+          </p:nvSpPr>
+          <p:spPr bwMode="ltGray">
+            <a:xfrm>
+              <a:off x="7437711" y="4299068"/>
+              <a:ext cx="1953522" cy="823976"/>
+            </a:xfrm>
+            <a:prstGeom prst="cloud">
+              <a:avLst/>
+            </a:prstGeom>
+            <a:noFill/>
+            <a:ln w="57150">
+              <a:solidFill>
+                <a:schemeClr val="accent1"/>
+              </a:solidFill>
+            </a:ln>
+          </p:spPr>
+          <p:style>
+            <a:lnRef idx="2">
+              <a:schemeClr val="accent1">
+                <a:shade val="50000"/>
+              </a:schemeClr>
+            </a:lnRef>
+            <a:fillRef idx="1">
+              <a:schemeClr val="accent1"/>
+            </a:fillRef>
+            <a:effectRef idx="0">
+              <a:schemeClr val="accent1"/>
+            </a:effectRef>
+            <a:fontRef idx="minor">
+              <a:schemeClr val="lt1"/>
+            </a:fontRef>
+          </p:style>
+          <p:txBody>
+            <a:bodyPr tIns="91440" bIns="91440" rtlCol="0" anchor="ctr"/>
+            <a:lstStyle/>
+            <a:p>
+              <a:pPr algn="ctr"/>
+              <a:r>
+                <a:rPr lang="es-CR" i="1" dirty="0" err="1">
+                  <a:solidFill>
+                    <a:schemeClr val="tx1"/>
+                  </a:solidFill>
+                </a:rPr>
+                <a:t>Embedding</a:t>
+              </a:r>
+              <a:r>
+                <a:rPr lang="es-CR" i="1" dirty="0">
+                  <a:solidFill>
+                    <a:schemeClr val="tx1"/>
+                  </a:solidFill>
+                </a:rPr>
+                <a:t> </a:t>
+              </a:r>
+              <a:r>
+                <a:rPr lang="es-CR" i="1" dirty="0" err="1">
+                  <a:solidFill>
+                    <a:schemeClr val="tx1"/>
+                  </a:solidFill>
+                </a:rPr>
+                <a:t>Model</a:t>
+              </a:r>
+              <a:endParaRPr lang="en-GB" i="1" dirty="0" err="1">
                 <a:solidFill>
                   <a:schemeClr val="tx1"/>
                 </a:solidFill>
-              </a:rPr>
-              <a:t>Query</a:t>
-            </a:r>
-            <a:r>
-              <a:rPr lang="es-CR" i="1" dirty="0">
+              </a:endParaRPr>
+            </a:p>
+          </p:txBody>
+        </p:sp>
+        <p:cxnSp>
+          <p:nvCxnSpPr>
+            <p:cNvPr id="54" name="Straight Arrow Connector 53">
+              <a:extLst>
+                <a:ext uri="{FF2B5EF4-FFF2-40B4-BE49-F238E27FC236}">
+                  <a16:creationId xmlns:a16="http://schemas.microsoft.com/office/drawing/2014/main" id="{2DFCD34C-E1BD-C347-F62F-61809485D086}"/>
+                </a:ext>
+              </a:extLst>
+            </p:cNvPr>
+            <p:cNvCxnSpPr>
+              <a:cxnSpLocks/>
+              <a:stCxn id="1032" idx="3"/>
+              <a:endCxn id="53" idx="2"/>
+            </p:cNvCxnSpPr>
+            <p:nvPr/>
+          </p:nvCxnSpPr>
+          <p:spPr>
+            <a:xfrm>
+              <a:off x="6637225" y="4711056"/>
+              <a:ext cx="806546" cy="0"/>
+            </a:xfrm>
+            <a:prstGeom prst="straightConnector1">
+              <a:avLst/>
+            </a:prstGeom>
+            <a:ln w="38100">
+              <a:solidFill>
+                <a:schemeClr val="tx1"/>
+              </a:solidFill>
+              <a:tailEnd type="triangle"/>
+            </a:ln>
+          </p:spPr>
+          <p:style>
+            <a:lnRef idx="1">
+              <a:schemeClr val="accent1"/>
+            </a:lnRef>
+            <a:fillRef idx="0">
+              <a:schemeClr val="accent1"/>
+            </a:fillRef>
+            <a:effectRef idx="0">
+              <a:schemeClr val="accent1"/>
+            </a:effectRef>
+            <a:fontRef idx="minor">
+              <a:schemeClr val="tx1"/>
+            </a:fontRef>
+          </p:style>
+        </p:cxnSp>
+        <p:cxnSp>
+          <p:nvCxnSpPr>
+            <p:cNvPr id="63" name="Straight Arrow Connector 62">
+              <a:extLst>
+                <a:ext uri="{FF2B5EF4-FFF2-40B4-BE49-F238E27FC236}">
+                  <a16:creationId xmlns:a16="http://schemas.microsoft.com/office/drawing/2014/main" id="{8ECE8477-3C56-EEC0-EAEF-2C1B403E30E5}"/>
+                </a:ext>
+              </a:extLst>
+            </p:cNvPr>
+            <p:cNvCxnSpPr>
+              <a:cxnSpLocks/>
+              <a:stCxn id="1026" idx="0"/>
+              <a:endCxn id="53" idx="1"/>
+            </p:cNvCxnSpPr>
+            <p:nvPr/>
+          </p:nvCxnSpPr>
+          <p:spPr>
+            <a:xfrm flipV="1">
+              <a:off x="8414472" y="5122167"/>
+              <a:ext cx="0" cy="378633"/>
+            </a:xfrm>
+            <a:prstGeom prst="straightConnector1">
+              <a:avLst/>
+            </a:prstGeom>
+            <a:ln w="38100">
+              <a:solidFill>
+                <a:schemeClr val="tx1"/>
+              </a:solidFill>
+              <a:prstDash val="sysDash"/>
+              <a:tailEnd type="triangle"/>
+            </a:ln>
+          </p:spPr>
+          <p:style>
+            <a:lnRef idx="1">
+              <a:schemeClr val="accent1"/>
+            </a:lnRef>
+            <a:fillRef idx="0">
+              <a:schemeClr val="accent1"/>
+            </a:fillRef>
+            <a:effectRef idx="0">
+              <a:schemeClr val="accent1"/>
+            </a:effectRef>
+            <a:fontRef idx="minor">
+              <a:schemeClr val="tx1"/>
+            </a:fontRef>
+          </p:style>
+        </p:cxnSp>
+        <p:pic>
+          <p:nvPicPr>
+            <p:cNvPr id="1026" name="Picture 1025">
+              <a:extLst>
+                <a:ext uri="{FF2B5EF4-FFF2-40B4-BE49-F238E27FC236}">
+                  <a16:creationId xmlns:a16="http://schemas.microsoft.com/office/drawing/2014/main" id="{D7FC9BBA-B005-30B2-6158-1E894F89EFF2}"/>
+                </a:ext>
+              </a:extLst>
+            </p:cNvPr>
+            <p:cNvPicPr>
+              <a:picLocks noChangeAspect="1"/>
+            </p:cNvPicPr>
+            <p:nvPr/>
+          </p:nvPicPr>
+          <p:blipFill>
+            <a:blip r:embed="rId4"/>
+            <a:stretch>
+              <a:fillRect/>
+            </a:stretch>
+          </p:blipFill>
+          <p:spPr>
+            <a:xfrm>
+              <a:off x="8043267" y="5500800"/>
+              <a:ext cx="742410" cy="742410"/>
+            </a:xfrm>
+            <a:prstGeom prst="rect">
+              <a:avLst/>
+            </a:prstGeom>
+          </p:spPr>
+        </p:pic>
+        <p:pic>
+          <p:nvPicPr>
+            <p:cNvPr id="1032" name="Picture 8" descr="PDF - Wikipedia">
+              <a:extLst>
+                <a:ext uri="{FF2B5EF4-FFF2-40B4-BE49-F238E27FC236}">
+                  <a16:creationId xmlns:a16="http://schemas.microsoft.com/office/drawing/2014/main" id="{37C49285-5ECE-76CD-A366-1C69C0E74656}"/>
+                </a:ext>
+              </a:extLst>
+            </p:cNvPr>
+            <p:cNvPicPr>
+              <a:picLocks noChangeAspect="1" noChangeArrowheads="1"/>
+            </p:cNvPicPr>
+            <p:nvPr/>
+          </p:nvPicPr>
+          <p:blipFill>
+            <a:blip r:embed="rId5" cstate="print">
+              <a:extLst>
+                <a:ext uri="{28A0092B-C50C-407E-A947-70E740481C1C}">
+                  <a14:useLocalDpi xmlns:a14="http://schemas.microsoft.com/office/drawing/2010/main" val="0"/>
+                </a:ext>
+              </a:extLst>
+            </a:blip>
+            <a:srcRect/>
+            <a:stretch>
+              <a:fillRect/>
+            </a:stretch>
+          </p:blipFill>
+          <p:spPr bwMode="auto">
+            <a:xfrm>
+              <a:off x="5774236" y="4180288"/>
+              <a:ext cx="862989" cy="1061536"/>
+            </a:xfrm>
+            <a:prstGeom prst="rect">
+              <a:avLst/>
+            </a:prstGeom>
+            <a:noFill/>
+            <a:extLst>
+              <a:ext uri="{909E8E84-426E-40DD-AFC4-6F175D3DCCD1}">
+                <a14:hiddenFill xmlns:a14="http://schemas.microsoft.com/office/drawing/2010/main">
+                  <a:solidFill>
+                    <a:srgbClr val="FFFFFF"/>
+                  </a:solidFill>
+                </a14:hiddenFill>
+              </a:ext>
+            </a:extLst>
+          </p:spPr>
+        </p:pic>
+        <p:cxnSp>
+          <p:nvCxnSpPr>
+            <p:cNvPr id="1037" name="Straight Arrow Connector 1036">
+              <a:extLst>
+                <a:ext uri="{FF2B5EF4-FFF2-40B4-BE49-F238E27FC236}">
+                  <a16:creationId xmlns:a16="http://schemas.microsoft.com/office/drawing/2014/main" id="{311D791B-EBE5-69F7-44C2-1CA58DC5A507}"/>
+                </a:ext>
+              </a:extLst>
+            </p:cNvPr>
+            <p:cNvCxnSpPr>
+              <a:cxnSpLocks/>
+              <a:stCxn id="53" idx="0"/>
+              <a:endCxn id="1036" idx="2"/>
+            </p:cNvCxnSpPr>
+            <p:nvPr/>
+          </p:nvCxnSpPr>
+          <p:spPr>
+            <a:xfrm>
+              <a:off x="9389605" y="4711056"/>
+              <a:ext cx="739612" cy="0"/>
+            </a:xfrm>
+            <a:prstGeom prst="straightConnector1">
+              <a:avLst/>
+            </a:prstGeom>
+            <a:ln w="38100">
+              <a:solidFill>
+                <a:schemeClr val="tx1"/>
+              </a:solidFill>
+              <a:tailEnd type="triangle"/>
+            </a:ln>
+          </p:spPr>
+          <p:style>
+            <a:lnRef idx="1">
+              <a:schemeClr val="accent1"/>
+            </a:lnRef>
+            <a:fillRef idx="0">
+              <a:schemeClr val="accent1"/>
+            </a:fillRef>
+            <a:effectRef idx="0">
+              <a:schemeClr val="accent1"/>
+            </a:effectRef>
+            <a:fontRef idx="minor">
+              <a:schemeClr val="tx1"/>
+            </a:fontRef>
+          </p:style>
+        </p:cxnSp>
+        <p:sp>
+          <p:nvSpPr>
+            <p:cNvPr id="21" name="TextBox 20">
+              <a:extLst>
+                <a:ext uri="{FF2B5EF4-FFF2-40B4-BE49-F238E27FC236}">
+                  <a16:creationId xmlns:a16="http://schemas.microsoft.com/office/drawing/2014/main" id="{FC41C6E8-0C80-91B8-8832-ED7BF5082497}"/>
+                </a:ext>
+              </a:extLst>
+            </p:cNvPr>
+            <p:cNvSpPr txBox="1"/>
+            <p:nvPr/>
+          </p:nvSpPr>
+          <p:spPr>
+            <a:xfrm>
+              <a:off x="6882134" y="4354221"/>
+              <a:ext cx="310668" cy="258476"/>
+            </a:xfrm>
+            <a:prstGeom prst="rect">
+              <a:avLst/>
+            </a:prstGeom>
+            <a:noFill/>
+            <a:ln w="57150">
+              <a:noFill/>
+              <a:miter lim="800000"/>
+            </a:ln>
+          </p:spPr>
+          <p:txBody>
+            <a:bodyPr wrap="square" lIns="90000" tIns="90000" rIns="90000" bIns="90000" rtlCol="0" anchor="ctr" anchorCtr="0">
+              <a:noAutofit/>
+            </a:bodyPr>
+            <a:lstStyle/>
+            <a:p>
+              <a:pPr marL="0" indent="0" algn="ctr">
+                <a:lnSpc>
+                  <a:spcPct val="90000"/>
+                </a:lnSpc>
+                <a:spcBef>
+                  <a:spcPts val="400"/>
+                </a:spcBef>
+                <a:buFont typeface="MetricHPE" panose="020B0503030202060203" pitchFamily="34" charset="0"/>
+                <a:buNone/>
+              </a:pPr>
+              <a:r>
+                <a:rPr lang="es-CR" dirty="0"/>
+                <a:t>5</a:t>
+              </a:r>
+              <a:endParaRPr lang="en-GB" dirty="0" err="1"/>
+            </a:p>
+          </p:txBody>
+        </p:sp>
+        <p:sp>
+          <p:nvSpPr>
+            <p:cNvPr id="22" name="TextBox 21">
+              <a:extLst>
+                <a:ext uri="{FF2B5EF4-FFF2-40B4-BE49-F238E27FC236}">
+                  <a16:creationId xmlns:a16="http://schemas.microsoft.com/office/drawing/2014/main" id="{BB163C20-E673-FEA6-5869-2514C44D6297}"/>
+                </a:ext>
+              </a:extLst>
+            </p:cNvPr>
+            <p:cNvSpPr txBox="1"/>
+            <p:nvPr/>
+          </p:nvSpPr>
+          <p:spPr>
+            <a:xfrm>
+              <a:off x="9604077" y="4345861"/>
+              <a:ext cx="310668" cy="258476"/>
+            </a:xfrm>
+            <a:prstGeom prst="rect">
+              <a:avLst/>
+            </a:prstGeom>
+            <a:noFill/>
+            <a:ln w="57150">
+              <a:noFill/>
+              <a:miter lim="800000"/>
+            </a:ln>
+          </p:spPr>
+          <p:txBody>
+            <a:bodyPr wrap="square" lIns="90000" tIns="90000" rIns="90000" bIns="90000" rtlCol="0" anchor="ctr" anchorCtr="0">
+              <a:noAutofit/>
+            </a:bodyPr>
+            <a:lstStyle/>
+            <a:p>
+              <a:pPr marL="0" indent="0" algn="ctr">
+                <a:lnSpc>
+                  <a:spcPct val="90000"/>
+                </a:lnSpc>
+                <a:spcBef>
+                  <a:spcPts val="400"/>
+                </a:spcBef>
+                <a:buFont typeface="MetricHPE" panose="020B0503030202060203" pitchFamily="34" charset="0"/>
+                <a:buNone/>
+              </a:pPr>
+              <a:r>
+                <a:rPr lang="es-CR" dirty="0"/>
+                <a:t>6</a:t>
+              </a:r>
+              <a:endParaRPr lang="en-GB" dirty="0" err="1"/>
+            </a:p>
+          </p:txBody>
+        </p:sp>
+        <p:grpSp>
+          <p:nvGrpSpPr>
+            <p:cNvPr id="29" name="Group 28">
+              <a:extLst>
+                <a:ext uri="{FF2B5EF4-FFF2-40B4-BE49-F238E27FC236}">
+                  <a16:creationId xmlns:a16="http://schemas.microsoft.com/office/drawing/2014/main" id="{AFCB4DB4-4B5F-F2C6-D3E7-B519FAEE2CAA}"/>
+                </a:ext>
+              </a:extLst>
+            </p:cNvPr>
+            <p:cNvGrpSpPr/>
+            <p:nvPr/>
+          </p:nvGrpSpPr>
+          <p:grpSpPr>
+            <a:xfrm>
+              <a:off x="10129217" y="4243696"/>
+              <a:ext cx="2303938" cy="934720"/>
+              <a:chOff x="10129217" y="4243696"/>
+              <a:chExt cx="2303938" cy="934720"/>
+            </a:xfrm>
+          </p:grpSpPr>
+          <p:sp>
+            <p:nvSpPr>
+              <p:cNvPr id="1036" name="Oval 1035">
+                <a:extLst>
+                  <a:ext uri="{FF2B5EF4-FFF2-40B4-BE49-F238E27FC236}">
+                    <a16:creationId xmlns:a16="http://schemas.microsoft.com/office/drawing/2014/main" id="{A2A86303-671B-CFF8-6E56-139CFBE37A67}"/>
+                  </a:ext>
+                </a:extLst>
+              </p:cNvPr>
+              <p:cNvSpPr/>
+              <p:nvPr/>
+            </p:nvSpPr>
+            <p:spPr bwMode="ltGray">
+              <a:xfrm>
+                <a:off x="10129217" y="4243696"/>
+                <a:ext cx="1868729" cy="934720"/>
+              </a:xfrm>
+              <a:prstGeom prst="ellipse">
+                <a:avLst/>
+              </a:prstGeom>
+              <a:noFill/>
+              <a:ln w="57150">
+                <a:solidFill>
+                  <a:schemeClr val="accent1"/>
+                </a:solidFill>
+              </a:ln>
+            </p:spPr>
+            <p:style>
+              <a:lnRef idx="2">
+                <a:schemeClr val="accent1">
+                  <a:shade val="50000"/>
+                </a:schemeClr>
+              </a:lnRef>
+              <a:fillRef idx="1">
+                <a:schemeClr val="accent1"/>
+              </a:fillRef>
+              <a:effectRef idx="0">
+                <a:schemeClr val="accent1"/>
+              </a:effectRef>
+              <a:fontRef idx="minor">
+                <a:schemeClr val="lt1"/>
+              </a:fontRef>
+            </p:style>
+            <p:txBody>
+              <a:bodyPr tIns="91440" bIns="91440" rtlCol="0" anchor="ctr"/>
+              <a:lstStyle/>
+              <a:p>
+                <a:pPr algn="ctr"/>
+                <a:r>
+                  <a:rPr lang="es-CR" i="1" dirty="0" err="1">
+                    <a:solidFill>
+                      <a:schemeClr val="tx1"/>
+                    </a:solidFill>
+                  </a:rPr>
+                  <a:t>Embeddings</a:t>
+                </a:r>
+                <a:endParaRPr lang="en-GB" i="1" dirty="0" err="1">
+                  <a:solidFill>
+                    <a:schemeClr val="tx1"/>
+                  </a:solidFill>
+                </a:endParaRPr>
+              </a:p>
+            </p:txBody>
+          </p:sp>
+          <p:sp>
+            <p:nvSpPr>
+              <p:cNvPr id="23" name="TextBox 22">
+                <a:extLst>
+                  <a:ext uri="{FF2B5EF4-FFF2-40B4-BE49-F238E27FC236}">
+                    <a16:creationId xmlns:a16="http://schemas.microsoft.com/office/drawing/2014/main" id="{31C68649-CEFB-624B-CBE4-1EB27C6607D9}"/>
+                  </a:ext>
+                </a:extLst>
+              </p:cNvPr>
+              <p:cNvSpPr txBox="1"/>
+              <p:nvPr/>
+            </p:nvSpPr>
+            <p:spPr>
+              <a:xfrm>
+                <a:off x="12122487" y="4354221"/>
+                <a:ext cx="310668" cy="258476"/>
+              </a:xfrm>
+              <a:prstGeom prst="rect">
+                <a:avLst/>
+              </a:prstGeom>
+              <a:noFill/>
+              <a:ln w="57150">
+                <a:noFill/>
+                <a:miter lim="800000"/>
+              </a:ln>
+            </p:spPr>
+            <p:txBody>
+              <a:bodyPr wrap="square" lIns="90000" tIns="90000" rIns="90000" bIns="90000" rtlCol="0" anchor="ctr" anchorCtr="0">
+                <a:noAutofit/>
+              </a:bodyPr>
+              <a:lstStyle/>
+              <a:p>
+                <a:pPr marL="0" indent="0" algn="ctr">
+                  <a:lnSpc>
+                    <a:spcPct val="90000"/>
+                  </a:lnSpc>
+                  <a:spcBef>
+                    <a:spcPts val="400"/>
+                  </a:spcBef>
+                  <a:buFont typeface="MetricHPE" panose="020B0503030202060203" pitchFamily="34" charset="0"/>
+                  <a:buNone/>
+                </a:pPr>
+                <a:r>
+                  <a:rPr lang="es-CR" dirty="0"/>
+                  <a:t>7</a:t>
+                </a:r>
+                <a:endParaRPr lang="en-GB" dirty="0" err="1"/>
+              </a:p>
+            </p:txBody>
+          </p:sp>
+        </p:grpSp>
+      </p:grpSp>
+      <p:grpSp>
+        <p:nvGrpSpPr>
+          <p:cNvPr id="32" name="Group 31">
+            <a:extLst>
+              <a:ext uri="{FF2B5EF4-FFF2-40B4-BE49-F238E27FC236}">
+                <a16:creationId xmlns:a16="http://schemas.microsoft.com/office/drawing/2014/main" id="{3A5603E2-47E0-FF99-8BF8-AF4A85E8F59F}"/>
+              </a:ext>
+            </a:extLst>
+          </p:cNvPr>
+          <p:cNvGrpSpPr/>
+          <p:nvPr/>
+        </p:nvGrpSpPr>
+        <p:grpSpPr>
+          <a:xfrm>
+            <a:off x="1264415" y="1810506"/>
+            <a:ext cx="10358918" cy="4647232"/>
+            <a:chOff x="286984" y="-253299"/>
+            <a:chExt cx="10358918" cy="4647232"/>
+          </a:xfrm>
+        </p:grpSpPr>
+        <p:sp>
+          <p:nvSpPr>
+            <p:cNvPr id="1086" name="TextBox 1085">
+              <a:extLst>
+                <a:ext uri="{FF2B5EF4-FFF2-40B4-BE49-F238E27FC236}">
+                  <a16:creationId xmlns:a16="http://schemas.microsoft.com/office/drawing/2014/main" id="{3EB4F38E-A69A-7080-F997-606859DCD65F}"/>
+                </a:ext>
+              </a:extLst>
+            </p:cNvPr>
+            <p:cNvSpPr txBox="1"/>
+            <p:nvPr/>
+          </p:nvSpPr>
+          <p:spPr>
+            <a:xfrm>
+              <a:off x="2921691" y="4180288"/>
+              <a:ext cx="1145230" cy="213645"/>
+            </a:xfrm>
+            <a:prstGeom prst="rect">
+              <a:avLst/>
+            </a:prstGeom>
+            <a:noFill/>
+            <a:ln w="57150">
+              <a:noFill/>
+              <a:miter lim="800000"/>
+            </a:ln>
+          </p:spPr>
+          <p:txBody>
+            <a:bodyPr wrap="square" lIns="90000" tIns="90000" rIns="90000" bIns="90000" rtlCol="0" anchor="ctr" anchorCtr="0">
+              <a:noAutofit/>
+            </a:bodyPr>
+            <a:lstStyle/>
+            <a:p>
+              <a:pPr marL="0" indent="0" algn="ctr">
+                <a:lnSpc>
+                  <a:spcPct val="90000"/>
+                </a:lnSpc>
+                <a:spcBef>
+                  <a:spcPts val="400"/>
+                </a:spcBef>
+                <a:buFont typeface="MetricHPE" panose="020B0503030202060203" pitchFamily="34" charset="0"/>
+                <a:buNone/>
+              </a:pPr>
+              <a:r>
+                <a:rPr lang="es-CR" b="1" i="1" dirty="0"/>
+                <a:t>LLM</a:t>
+              </a:r>
+              <a:endParaRPr lang="en-GB" b="1" i="1" dirty="0" err="1"/>
+            </a:p>
+          </p:txBody>
+        </p:sp>
+        <p:grpSp>
+          <p:nvGrpSpPr>
+            <p:cNvPr id="31" name="Group 30">
+              <a:extLst>
+                <a:ext uri="{FF2B5EF4-FFF2-40B4-BE49-F238E27FC236}">
+                  <a16:creationId xmlns:a16="http://schemas.microsoft.com/office/drawing/2014/main" id="{CD7AD355-E5D4-2D80-3008-9E496B600A06}"/>
+                </a:ext>
+              </a:extLst>
+            </p:cNvPr>
+            <p:cNvGrpSpPr/>
+            <p:nvPr/>
+          </p:nvGrpSpPr>
+          <p:grpSpPr>
+            <a:xfrm>
+              <a:off x="286984" y="-253299"/>
+              <a:ext cx="10358918" cy="4269814"/>
+              <a:chOff x="232463" y="-256229"/>
+              <a:chExt cx="10358918" cy="4269814"/>
+            </a:xfrm>
+          </p:grpSpPr>
+          <p:cxnSp>
+            <p:nvCxnSpPr>
+              <p:cNvPr id="1063" name="Connector: Elbow 1062">
+                <a:extLst>
+                  <a:ext uri="{FF2B5EF4-FFF2-40B4-BE49-F238E27FC236}">
+                    <a16:creationId xmlns:a16="http://schemas.microsoft.com/office/drawing/2014/main" id="{290248F5-DE5F-E0F9-96FC-1A83AAE68A9B}"/>
+                  </a:ext>
+                </a:extLst>
+              </p:cNvPr>
+              <p:cNvCxnSpPr>
+                <a:cxnSpLocks/>
+                <a:stCxn id="47" idx="4"/>
+                <a:endCxn id="1069" idx="3"/>
+              </p:cNvCxnSpPr>
+              <p:nvPr/>
+            </p:nvCxnSpPr>
+            <p:spPr>
+              <a:xfrm flipH="1">
+                <a:off x="9387791" y="-256229"/>
+                <a:ext cx="1203590" cy="3702015"/>
+              </a:xfrm>
+              <a:prstGeom prst="bentConnector3">
+                <a:avLst>
+                  <a:gd name="adj1" fmla="val -18993"/>
+                </a:avLst>
+              </a:prstGeom>
+              <a:ln w="38100">
                 <a:solidFill>
                   <a:schemeClr val="tx1"/>
                 </a:solidFill>
-              </a:rPr>
-              <a:t> + </a:t>
-            </a:r>
-            <a:r>
-              <a:rPr lang="es-CR" i="1" dirty="0" err="1">
+                <a:tailEnd type="triangle"/>
+              </a:ln>
+            </p:spPr>
+            <p:style>
+              <a:lnRef idx="1">
+                <a:schemeClr val="accent1"/>
+              </a:lnRef>
+              <a:fillRef idx="0">
+                <a:schemeClr val="accent1"/>
+              </a:fillRef>
+              <a:effectRef idx="0">
+                <a:schemeClr val="accent1"/>
+              </a:effectRef>
+              <a:fontRef idx="minor">
+                <a:schemeClr val="tx1"/>
+              </a:fontRef>
+            </p:style>
+          </p:cxnSp>
+          <p:sp>
+            <p:nvSpPr>
+              <p:cNvPr id="1069" name="Rectangle: Rounded Corners 1068">
+                <a:extLst>
+                  <a:ext uri="{FF2B5EF4-FFF2-40B4-BE49-F238E27FC236}">
+                    <a16:creationId xmlns:a16="http://schemas.microsoft.com/office/drawing/2014/main" id="{BAAFF0B1-DC2A-006C-0F0D-D736F6516B10}"/>
+                  </a:ext>
+                </a:extLst>
+              </p:cNvPr>
+              <p:cNvSpPr/>
+              <p:nvPr/>
+            </p:nvSpPr>
+            <p:spPr bwMode="ltGray">
+              <a:xfrm>
+                <a:off x="8087311" y="3287618"/>
+                <a:ext cx="1300480" cy="316336"/>
+              </a:xfrm>
+              <a:prstGeom prst="roundRect">
+                <a:avLst/>
+              </a:prstGeom>
+              <a:noFill/>
+              <a:ln w="57150">
+                <a:solidFill>
+                  <a:srgbClr val="FFC000"/>
+                </a:solidFill>
+              </a:ln>
+            </p:spPr>
+            <p:style>
+              <a:lnRef idx="2">
+                <a:schemeClr val="accent1">
+                  <a:shade val="50000"/>
+                </a:schemeClr>
+              </a:lnRef>
+              <a:fillRef idx="1">
+                <a:schemeClr val="accent1"/>
+              </a:fillRef>
+              <a:effectRef idx="0">
+                <a:schemeClr val="accent1"/>
+              </a:effectRef>
+              <a:fontRef idx="minor">
+                <a:schemeClr val="lt1"/>
+              </a:fontRef>
+            </p:style>
+            <p:txBody>
+              <a:bodyPr tIns="91440" bIns="91440" rtlCol="0" anchor="ctr"/>
+              <a:lstStyle/>
+              <a:p>
+                <a:pPr algn="ctr"/>
+                <a:r>
+                  <a:rPr lang="es-CR" i="1" dirty="0" err="1">
+                    <a:solidFill>
+                      <a:schemeClr val="tx1"/>
+                    </a:solidFill>
+                  </a:rPr>
+                  <a:t>Context</a:t>
+                </a:r>
+                <a:endParaRPr lang="en-GB" i="1" dirty="0" err="1">
+                  <a:solidFill>
+                    <a:schemeClr val="tx1"/>
+                  </a:solidFill>
+                </a:endParaRPr>
+              </a:p>
+            </p:txBody>
+          </p:sp>
+          <p:sp>
+            <p:nvSpPr>
+              <p:cNvPr id="1070" name="Rectangle: Top Corners One Rounded and One Snipped 1069">
+                <a:extLst>
+                  <a:ext uri="{FF2B5EF4-FFF2-40B4-BE49-F238E27FC236}">
+                    <a16:creationId xmlns:a16="http://schemas.microsoft.com/office/drawing/2014/main" id="{B9E8B425-3C67-55E3-E3D3-739F4914D9B7}"/>
+                  </a:ext>
+                </a:extLst>
+              </p:cNvPr>
+              <p:cNvSpPr/>
+              <p:nvPr/>
+            </p:nvSpPr>
+            <p:spPr bwMode="ltGray">
+              <a:xfrm>
+                <a:off x="5129373" y="3054954"/>
+                <a:ext cx="1869440" cy="807753"/>
+              </a:xfrm>
+              <a:prstGeom prst="snipRoundRect">
+                <a:avLst/>
+              </a:prstGeom>
+              <a:noFill/>
+              <a:ln w="57150">
+                <a:solidFill>
+                  <a:schemeClr val="accent1"/>
+                </a:solidFill>
+              </a:ln>
+            </p:spPr>
+            <p:style>
+              <a:lnRef idx="2">
+                <a:schemeClr val="accent1">
+                  <a:shade val="50000"/>
+                </a:schemeClr>
+              </a:lnRef>
+              <a:fillRef idx="1">
+                <a:schemeClr val="accent1"/>
+              </a:fillRef>
+              <a:effectRef idx="0">
+                <a:schemeClr val="accent1"/>
+              </a:effectRef>
+              <a:fontRef idx="minor">
+                <a:schemeClr val="lt1"/>
+              </a:fontRef>
+            </p:style>
+            <p:txBody>
+              <a:bodyPr tIns="91440" bIns="91440" rtlCol="0" anchor="ctr"/>
+              <a:lstStyle/>
+              <a:p>
+                <a:pPr algn="ctr"/>
+                <a:r>
+                  <a:rPr lang="es-CR" i="1" dirty="0" err="1">
+                    <a:solidFill>
+                      <a:schemeClr val="tx1"/>
+                    </a:solidFill>
+                  </a:rPr>
+                  <a:t>Query</a:t>
+                </a:r>
+                <a:r>
+                  <a:rPr lang="es-CR" i="1" dirty="0">
+                    <a:solidFill>
+                      <a:schemeClr val="tx1"/>
+                    </a:solidFill>
+                  </a:rPr>
+                  <a:t> + </a:t>
+                </a:r>
+                <a:r>
+                  <a:rPr lang="es-CR" i="1" dirty="0" err="1">
+                    <a:solidFill>
+                      <a:schemeClr val="tx1"/>
+                    </a:solidFill>
+                  </a:rPr>
+                  <a:t>Context</a:t>
+                </a:r>
+                <a:endParaRPr lang="en-GB" i="1" dirty="0" err="1">
+                  <a:solidFill>
+                    <a:schemeClr val="tx1"/>
+                  </a:solidFill>
+                </a:endParaRPr>
+              </a:p>
+            </p:txBody>
+          </p:sp>
+          <p:cxnSp>
+            <p:nvCxnSpPr>
+              <p:cNvPr id="1071" name="Straight Arrow Connector 1070">
+                <a:extLst>
+                  <a:ext uri="{FF2B5EF4-FFF2-40B4-BE49-F238E27FC236}">
+                    <a16:creationId xmlns:a16="http://schemas.microsoft.com/office/drawing/2014/main" id="{B1645278-028E-54EE-40D2-E002B0FF87AB}"/>
+                  </a:ext>
+                </a:extLst>
+              </p:cNvPr>
+              <p:cNvCxnSpPr>
+                <a:cxnSpLocks/>
+                <a:stCxn id="1069" idx="1"/>
+                <a:endCxn id="1070" idx="0"/>
+              </p:cNvCxnSpPr>
+              <p:nvPr/>
+            </p:nvCxnSpPr>
+            <p:spPr>
+              <a:xfrm flipH="1">
+                <a:off x="6998813" y="3445786"/>
+                <a:ext cx="1088498" cy="13045"/>
+              </a:xfrm>
+              <a:prstGeom prst="straightConnector1">
+                <a:avLst/>
+              </a:prstGeom>
+              <a:ln w="38100">
                 <a:solidFill>
                   <a:schemeClr val="tx1"/>
                 </a:solidFill>
-              </a:rPr>
-              <a:t>Context</a:t>
-            </a:r>
-            <a:endParaRPr lang="en-GB" i="1" dirty="0" err="1">
-              <a:solidFill>
+                <a:tailEnd type="triangle"/>
+              </a:ln>
+            </p:spPr>
+            <p:style>
+              <a:lnRef idx="1">
+                <a:schemeClr val="accent1"/>
+              </a:lnRef>
+              <a:fillRef idx="0">
+                <a:schemeClr val="accent1"/>
+              </a:fillRef>
+              <a:effectRef idx="0">
+                <a:schemeClr val="accent1"/>
+              </a:effectRef>
+              <a:fontRef idx="minor">
                 <a:schemeClr val="tx1"/>
-              </a:solidFill>
-            </a:endParaRPr>
-          </a:p>
-        </p:txBody>
-      </p:sp>
+              </a:fontRef>
+            </p:style>
+          </p:cxnSp>
+          <p:cxnSp>
+            <p:nvCxnSpPr>
+              <p:cNvPr id="1074" name="Connector: Elbow 1073">
+                <a:extLst>
+                  <a:ext uri="{FF2B5EF4-FFF2-40B4-BE49-F238E27FC236}">
+                    <a16:creationId xmlns:a16="http://schemas.microsoft.com/office/drawing/2014/main" id="{FF261EB0-3841-983E-59B5-809E806FD3D7}"/>
+                  </a:ext>
+                </a:extLst>
+              </p:cNvPr>
+              <p:cNvCxnSpPr>
+                <a:cxnSpLocks/>
+                <a:stCxn id="8" idx="2"/>
+                <a:endCxn id="1070" idx="3"/>
+              </p:cNvCxnSpPr>
+              <p:nvPr/>
+            </p:nvCxnSpPr>
+            <p:spPr>
+              <a:xfrm rot="16200000" flipH="1">
+                <a:off x="2622202" y="-386938"/>
+                <a:ext cx="2869393" cy="4014390"/>
+              </a:xfrm>
+              <a:prstGeom prst="bentConnector3">
+                <a:avLst>
+                  <a:gd name="adj1" fmla="val 88181"/>
+                </a:avLst>
+              </a:prstGeom>
+              <a:ln w="38100">
+                <a:solidFill>
+                  <a:schemeClr val="tx1"/>
+                </a:solidFill>
+                <a:tailEnd type="triangle"/>
+              </a:ln>
+            </p:spPr>
+            <p:style>
+              <a:lnRef idx="1">
+                <a:schemeClr val="accent1"/>
+              </a:lnRef>
+              <a:fillRef idx="0">
+                <a:schemeClr val="accent1"/>
+              </a:fillRef>
+              <a:effectRef idx="0">
+                <a:schemeClr val="accent1"/>
+              </a:effectRef>
+              <a:fontRef idx="minor">
+                <a:schemeClr val="tx1"/>
+              </a:fontRef>
+            </p:style>
+          </p:cxnSp>
+          <p:pic>
+            <p:nvPicPr>
+              <p:cNvPr id="1078" name="Picture 1077">
+                <a:extLst>
+                  <a:ext uri="{FF2B5EF4-FFF2-40B4-BE49-F238E27FC236}">
+                    <a16:creationId xmlns:a16="http://schemas.microsoft.com/office/drawing/2014/main" id="{548F242E-99A6-0459-5E6C-ABB37967BE20}"/>
+                  </a:ext>
+                </a:extLst>
+              </p:cNvPr>
+              <p:cNvPicPr>
+                <a:picLocks noChangeAspect="1"/>
+              </p:cNvPicPr>
+              <p:nvPr/>
+            </p:nvPicPr>
+            <p:blipFill>
+              <a:blip r:embed="rId6"/>
+              <a:stretch>
+                <a:fillRect/>
+              </a:stretch>
+            </p:blipFill>
+            <p:spPr>
+              <a:xfrm>
+                <a:off x="2921691" y="2951133"/>
+                <a:ext cx="1062452" cy="1062452"/>
+              </a:xfrm>
+              <a:prstGeom prst="rect">
+                <a:avLst/>
+              </a:prstGeom>
+            </p:spPr>
+          </p:pic>
+          <p:cxnSp>
+            <p:nvCxnSpPr>
+              <p:cNvPr id="1083" name="Straight Arrow Connector 1082">
+                <a:extLst>
+                  <a:ext uri="{FF2B5EF4-FFF2-40B4-BE49-F238E27FC236}">
+                    <a16:creationId xmlns:a16="http://schemas.microsoft.com/office/drawing/2014/main" id="{943A1444-8908-A75F-DAD1-F0D1BAE50731}"/>
+                  </a:ext>
+                </a:extLst>
+              </p:cNvPr>
+              <p:cNvCxnSpPr>
+                <a:cxnSpLocks/>
+                <a:stCxn id="1070" idx="2"/>
+                <a:endCxn id="1078" idx="3"/>
+              </p:cNvCxnSpPr>
+              <p:nvPr/>
+            </p:nvCxnSpPr>
+            <p:spPr>
+              <a:xfrm flipH="1">
+                <a:off x="3984143" y="3458831"/>
+                <a:ext cx="1145230" cy="23528"/>
+              </a:xfrm>
+              <a:prstGeom prst="straightConnector1">
+                <a:avLst/>
+              </a:prstGeom>
+              <a:ln w="38100">
+                <a:solidFill>
+                  <a:schemeClr val="tx1"/>
+                </a:solidFill>
+                <a:tailEnd type="triangle"/>
+              </a:ln>
+            </p:spPr>
+            <p:style>
+              <a:lnRef idx="1">
+                <a:schemeClr val="accent1"/>
+              </a:lnRef>
+              <a:fillRef idx="0">
+                <a:schemeClr val="accent1"/>
+              </a:fillRef>
+              <a:effectRef idx="0">
+                <a:schemeClr val="accent1"/>
+              </a:effectRef>
+              <a:fontRef idx="minor">
+                <a:schemeClr val="tx1"/>
+              </a:fontRef>
+            </p:style>
+          </p:cxnSp>
+          <p:cxnSp>
+            <p:nvCxnSpPr>
+              <p:cNvPr id="1087" name="Straight Arrow Connector 1086">
+                <a:extLst>
+                  <a:ext uri="{FF2B5EF4-FFF2-40B4-BE49-F238E27FC236}">
+                    <a16:creationId xmlns:a16="http://schemas.microsoft.com/office/drawing/2014/main" id="{2ECCBE5E-A008-2F81-79FD-5B71CE8D9311}"/>
+                  </a:ext>
+                </a:extLst>
+              </p:cNvPr>
+              <p:cNvCxnSpPr>
+                <a:cxnSpLocks/>
+                <a:stCxn id="1078" idx="1"/>
+              </p:cNvCxnSpPr>
+              <p:nvPr/>
+            </p:nvCxnSpPr>
+            <p:spPr>
+              <a:xfrm flipH="1">
+                <a:off x="2085638" y="3482359"/>
+                <a:ext cx="836053" cy="0"/>
+              </a:xfrm>
+              <a:prstGeom prst="straightConnector1">
+                <a:avLst/>
+              </a:prstGeom>
+              <a:ln w="38100">
+                <a:solidFill>
+                  <a:schemeClr val="tx1"/>
+                </a:solidFill>
+                <a:tailEnd type="triangle"/>
+              </a:ln>
+            </p:spPr>
+            <p:style>
+              <a:lnRef idx="1">
+                <a:schemeClr val="accent1"/>
+              </a:lnRef>
+              <a:fillRef idx="0">
+                <a:schemeClr val="accent1"/>
+              </a:fillRef>
+              <a:effectRef idx="0">
+                <a:schemeClr val="accent1"/>
+              </a:effectRef>
+              <a:fontRef idx="minor">
+                <a:schemeClr val="tx1"/>
+              </a:fontRef>
+            </p:style>
+          </p:cxnSp>
+          <p:sp>
+            <p:nvSpPr>
+              <p:cNvPr id="1090" name="Oval 1089">
+                <a:extLst>
+                  <a:ext uri="{FF2B5EF4-FFF2-40B4-BE49-F238E27FC236}">
+                    <a16:creationId xmlns:a16="http://schemas.microsoft.com/office/drawing/2014/main" id="{CE68E5B2-0438-AC80-25D6-9477A0747218}"/>
+                  </a:ext>
+                </a:extLst>
+              </p:cNvPr>
+              <p:cNvSpPr/>
+              <p:nvPr/>
+            </p:nvSpPr>
+            <p:spPr bwMode="ltGray">
+              <a:xfrm>
+                <a:off x="232463" y="3062378"/>
+                <a:ext cx="1735560" cy="839961"/>
+              </a:xfrm>
+              <a:prstGeom prst="ellipse">
+                <a:avLst/>
+              </a:prstGeom>
+              <a:noFill/>
+              <a:ln w="57150">
+                <a:solidFill>
+                  <a:srgbClr val="FF0000"/>
+                </a:solidFill>
+                <a:prstDash val="dash"/>
+              </a:ln>
+            </p:spPr>
+            <p:style>
+              <a:lnRef idx="2">
+                <a:schemeClr val="accent1">
+                  <a:shade val="50000"/>
+                </a:schemeClr>
+              </a:lnRef>
+              <a:fillRef idx="1">
+                <a:schemeClr val="accent1"/>
+              </a:fillRef>
+              <a:effectRef idx="0">
+                <a:schemeClr val="accent1"/>
+              </a:effectRef>
+              <a:fontRef idx="minor">
+                <a:schemeClr val="lt1"/>
+              </a:fontRef>
+            </p:style>
+            <p:txBody>
+              <a:bodyPr tIns="91440" bIns="91440" rtlCol="0" anchor="ctr"/>
+              <a:lstStyle/>
+              <a:p>
+                <a:pPr algn="ctr"/>
+                <a:r>
+                  <a:rPr lang="es-CR" i="1" dirty="0">
+                    <a:solidFill>
+                      <a:schemeClr val="tx1"/>
+                    </a:solidFill>
+                  </a:rPr>
+                  <a:t>Response</a:t>
+                </a:r>
+                <a:endParaRPr lang="en-GB" i="1" dirty="0" err="1">
+                  <a:solidFill>
+                    <a:schemeClr val="tx1"/>
+                  </a:solidFill>
+                </a:endParaRPr>
+              </a:p>
+            </p:txBody>
+          </p:sp>
+          <p:sp>
+            <p:nvSpPr>
+              <p:cNvPr id="24" name="TextBox 23">
+                <a:extLst>
+                  <a:ext uri="{FF2B5EF4-FFF2-40B4-BE49-F238E27FC236}">
+                    <a16:creationId xmlns:a16="http://schemas.microsoft.com/office/drawing/2014/main" id="{CD58FA06-6286-D924-616B-7C8AE35E9A23}"/>
+                  </a:ext>
+                </a:extLst>
+              </p:cNvPr>
+              <p:cNvSpPr txBox="1"/>
+              <p:nvPr/>
+            </p:nvSpPr>
+            <p:spPr>
+              <a:xfrm>
+                <a:off x="10158868" y="3018562"/>
+                <a:ext cx="310668" cy="258476"/>
+              </a:xfrm>
+              <a:prstGeom prst="rect">
+                <a:avLst/>
+              </a:prstGeom>
+              <a:noFill/>
+              <a:ln w="57150">
+                <a:noFill/>
+                <a:miter lim="800000"/>
+              </a:ln>
+            </p:spPr>
+            <p:txBody>
+              <a:bodyPr wrap="square" lIns="90000" tIns="90000" rIns="90000" bIns="90000" rtlCol="0" anchor="ctr" anchorCtr="0">
+                <a:noAutofit/>
+              </a:bodyPr>
+              <a:lstStyle/>
+              <a:p>
+                <a:pPr marL="0" indent="0" algn="ctr">
+                  <a:lnSpc>
+                    <a:spcPct val="90000"/>
+                  </a:lnSpc>
+                  <a:spcBef>
+                    <a:spcPts val="400"/>
+                  </a:spcBef>
+                  <a:buFont typeface="MetricHPE" panose="020B0503030202060203" pitchFamily="34" charset="0"/>
+                  <a:buNone/>
+                </a:pPr>
+                <a:r>
+                  <a:rPr lang="es-CR" dirty="0"/>
+                  <a:t>8</a:t>
+                </a:r>
+                <a:endParaRPr lang="en-GB" dirty="0" err="1"/>
+              </a:p>
+            </p:txBody>
+          </p:sp>
+          <p:sp>
+            <p:nvSpPr>
+              <p:cNvPr id="25" name="TextBox 24">
+                <a:extLst>
+                  <a:ext uri="{FF2B5EF4-FFF2-40B4-BE49-F238E27FC236}">
+                    <a16:creationId xmlns:a16="http://schemas.microsoft.com/office/drawing/2014/main" id="{FA3EBA0D-EC7C-6A5E-A32D-E255E1B5C546}"/>
+                  </a:ext>
+                </a:extLst>
+              </p:cNvPr>
+              <p:cNvSpPr txBox="1"/>
+              <p:nvPr/>
+            </p:nvSpPr>
+            <p:spPr>
+              <a:xfrm>
+                <a:off x="7450478" y="3084766"/>
+                <a:ext cx="310668" cy="258476"/>
+              </a:xfrm>
+              <a:prstGeom prst="rect">
+                <a:avLst/>
+              </a:prstGeom>
+              <a:noFill/>
+              <a:ln w="57150">
+                <a:noFill/>
+                <a:miter lim="800000"/>
+              </a:ln>
+            </p:spPr>
+            <p:txBody>
+              <a:bodyPr wrap="square" lIns="90000" tIns="90000" rIns="90000" bIns="90000" rtlCol="0" anchor="ctr" anchorCtr="0">
+                <a:noAutofit/>
+              </a:bodyPr>
+              <a:lstStyle/>
+              <a:p>
+                <a:pPr marL="0" indent="0" algn="ctr">
+                  <a:lnSpc>
+                    <a:spcPct val="90000"/>
+                  </a:lnSpc>
+                  <a:spcBef>
+                    <a:spcPts val="400"/>
+                  </a:spcBef>
+                  <a:buFont typeface="MetricHPE" panose="020B0503030202060203" pitchFamily="34" charset="0"/>
+                  <a:buNone/>
+                </a:pPr>
+                <a:r>
+                  <a:rPr lang="es-CR" dirty="0"/>
+                  <a:t>9</a:t>
+                </a:r>
+                <a:endParaRPr lang="en-GB" dirty="0" err="1"/>
+              </a:p>
+            </p:txBody>
+          </p:sp>
+          <p:sp>
+            <p:nvSpPr>
+              <p:cNvPr id="26" name="TextBox 25">
+                <a:extLst>
+                  <a:ext uri="{FF2B5EF4-FFF2-40B4-BE49-F238E27FC236}">
+                    <a16:creationId xmlns:a16="http://schemas.microsoft.com/office/drawing/2014/main" id="{6040055D-3E1B-AE4D-871F-F15EB4258D2E}"/>
+                  </a:ext>
+                </a:extLst>
+              </p:cNvPr>
+              <p:cNvSpPr txBox="1"/>
+              <p:nvPr/>
+            </p:nvSpPr>
+            <p:spPr>
+              <a:xfrm>
+                <a:off x="3754968" y="2357426"/>
+                <a:ext cx="446351" cy="258476"/>
+              </a:xfrm>
+              <a:prstGeom prst="rect">
+                <a:avLst/>
+              </a:prstGeom>
+              <a:noFill/>
+              <a:ln w="57150">
+                <a:noFill/>
+                <a:miter lim="800000"/>
+              </a:ln>
+            </p:spPr>
+            <p:txBody>
+              <a:bodyPr wrap="square" lIns="90000" tIns="90000" rIns="90000" bIns="90000" rtlCol="0" anchor="ctr" anchorCtr="0">
+                <a:noAutofit/>
+              </a:bodyPr>
+              <a:lstStyle/>
+              <a:p>
+                <a:pPr marL="0" indent="0" algn="ctr">
+                  <a:lnSpc>
+                    <a:spcPct val="90000"/>
+                  </a:lnSpc>
+                  <a:spcBef>
+                    <a:spcPts val="400"/>
+                  </a:spcBef>
+                  <a:buFont typeface="MetricHPE" panose="020B0503030202060203" pitchFamily="34" charset="0"/>
+                  <a:buNone/>
+                </a:pPr>
+                <a:r>
+                  <a:rPr lang="es-CR" dirty="0"/>
+                  <a:t>10</a:t>
+                </a:r>
+                <a:endParaRPr lang="en-GB" dirty="0" err="1"/>
+              </a:p>
+            </p:txBody>
+          </p:sp>
+          <p:sp>
+            <p:nvSpPr>
+              <p:cNvPr id="27" name="TextBox 26">
+                <a:extLst>
+                  <a:ext uri="{FF2B5EF4-FFF2-40B4-BE49-F238E27FC236}">
+                    <a16:creationId xmlns:a16="http://schemas.microsoft.com/office/drawing/2014/main" id="{56669A4A-9E14-D29F-9655-47A0F44FA2E1}"/>
+                  </a:ext>
+                </a:extLst>
+              </p:cNvPr>
+              <p:cNvSpPr txBox="1"/>
+              <p:nvPr/>
+            </p:nvSpPr>
+            <p:spPr>
+              <a:xfrm>
+                <a:off x="4346447" y="3127655"/>
+                <a:ext cx="446351" cy="258476"/>
+              </a:xfrm>
+              <a:prstGeom prst="rect">
+                <a:avLst/>
+              </a:prstGeom>
+              <a:noFill/>
+              <a:ln w="57150">
+                <a:noFill/>
+                <a:miter lim="800000"/>
+              </a:ln>
+            </p:spPr>
+            <p:txBody>
+              <a:bodyPr wrap="square" lIns="90000" tIns="90000" rIns="90000" bIns="90000" rtlCol="0" anchor="ctr" anchorCtr="0">
+                <a:noAutofit/>
+              </a:bodyPr>
+              <a:lstStyle/>
+              <a:p>
+                <a:pPr marL="0" indent="0" algn="ctr">
+                  <a:lnSpc>
+                    <a:spcPct val="90000"/>
+                  </a:lnSpc>
+                  <a:spcBef>
+                    <a:spcPts val="400"/>
+                  </a:spcBef>
+                  <a:buFont typeface="MetricHPE" panose="020B0503030202060203" pitchFamily="34" charset="0"/>
+                  <a:buNone/>
+                </a:pPr>
+                <a:r>
+                  <a:rPr lang="es-CR" dirty="0"/>
+                  <a:t>11</a:t>
+                </a:r>
+                <a:endParaRPr lang="en-GB" dirty="0" err="1"/>
+              </a:p>
+            </p:txBody>
+          </p:sp>
+          <p:sp>
+            <p:nvSpPr>
+              <p:cNvPr id="28" name="TextBox 27">
+                <a:extLst>
+                  <a:ext uri="{FF2B5EF4-FFF2-40B4-BE49-F238E27FC236}">
+                    <a16:creationId xmlns:a16="http://schemas.microsoft.com/office/drawing/2014/main" id="{3D8F4F72-D0A3-B5BF-020C-83FC817FBAFA}"/>
+                  </a:ext>
+                </a:extLst>
+              </p:cNvPr>
+              <p:cNvSpPr txBox="1"/>
+              <p:nvPr/>
+            </p:nvSpPr>
+            <p:spPr>
+              <a:xfrm>
+                <a:off x="2294188" y="3147800"/>
+                <a:ext cx="446351" cy="258476"/>
+              </a:xfrm>
+              <a:prstGeom prst="rect">
+                <a:avLst/>
+              </a:prstGeom>
+              <a:noFill/>
+              <a:ln w="57150">
+                <a:noFill/>
+                <a:miter lim="800000"/>
+              </a:ln>
+            </p:spPr>
+            <p:txBody>
+              <a:bodyPr wrap="square" lIns="90000" tIns="90000" rIns="90000" bIns="90000" rtlCol="0" anchor="ctr" anchorCtr="0">
+                <a:noAutofit/>
+              </a:bodyPr>
+              <a:lstStyle/>
+              <a:p>
+                <a:pPr marL="0" indent="0" algn="ctr">
+                  <a:lnSpc>
+                    <a:spcPct val="90000"/>
+                  </a:lnSpc>
+                  <a:spcBef>
+                    <a:spcPts val="400"/>
+                  </a:spcBef>
+                  <a:buFont typeface="MetricHPE" panose="020B0503030202060203" pitchFamily="34" charset="0"/>
+                  <a:buNone/>
+                </a:pPr>
+                <a:r>
+                  <a:rPr lang="es-CR" dirty="0"/>
+                  <a:t>12</a:t>
+                </a:r>
+                <a:endParaRPr lang="en-GB" dirty="0" err="1"/>
+              </a:p>
+            </p:txBody>
+          </p:sp>
+        </p:grpSp>
+      </p:grpSp>
       <p:cxnSp>
         <p:nvCxnSpPr>
-          <p:cNvPr id="1071" name="Straight Arrow Connector 1070">
+          <p:cNvPr id="40" name="Connector: Elbow 39">
             <a:extLst>
               <a:ext uri="{FF2B5EF4-FFF2-40B4-BE49-F238E27FC236}">
-                <a16:creationId xmlns:a16="http://schemas.microsoft.com/office/drawing/2014/main" id="{B1645278-028E-54EE-40D2-E002B0FF87AB}"/>
+                <a16:creationId xmlns:a16="http://schemas.microsoft.com/office/drawing/2014/main" id="{E98A0736-F6AF-A279-D76E-DA1B5852499F}"/>
               </a:ext>
             </a:extLst>
           </p:cNvPr>
           <p:cNvCxnSpPr>
             <a:cxnSpLocks/>
-            <a:stCxn id="1069" idx="1"/>
-            <a:endCxn id="1070" idx="0"/>
+            <a:stCxn id="1036" idx="6"/>
+            <a:endCxn id="47" idx="3"/>
           </p:cNvCxnSpPr>
           <p:nvPr/>
         </p:nvCxnSpPr>
         <p:spPr>
-          <a:xfrm flipH="1">
-            <a:off x="6998813" y="3445786"/>
-            <a:ext cx="1088498" cy="13045"/>
+          <a:xfrm flipV="1">
+            <a:off x="10451988" y="2581142"/>
+            <a:ext cx="611594" cy="565462"/>
           </a:xfrm>
-          <a:prstGeom prst="straightConnector1">
+          <a:prstGeom prst="bentConnector2">
             <a:avLst/>
           </a:prstGeom>
           <a:ln w="38100">
@@ -25764,290 +27283,6 @@
           </a:fontRef>
         </p:style>
       </p:cxnSp>
-      <p:cxnSp>
-        <p:nvCxnSpPr>
-          <p:cNvPr id="1074" name="Connector: Elbow 1073">
-            <a:extLst>
-              <a:ext uri="{FF2B5EF4-FFF2-40B4-BE49-F238E27FC236}">
-                <a16:creationId xmlns:a16="http://schemas.microsoft.com/office/drawing/2014/main" id="{FF261EB0-3841-983E-59B5-809E806FD3D7}"/>
-              </a:ext>
-            </a:extLst>
-          </p:cNvPr>
-          <p:cNvCxnSpPr>
-            <a:cxnSpLocks/>
-            <a:stCxn id="8" idx="2"/>
-            <a:endCxn id="1070" idx="3"/>
-          </p:cNvCxnSpPr>
-          <p:nvPr/>
-        </p:nvCxnSpPr>
-        <p:spPr>
-          <a:xfrm rot="16200000" flipH="1">
-            <a:off x="4171545" y="1162406"/>
-            <a:ext cx="802658" cy="2982438"/>
-          </a:xfrm>
-          <a:prstGeom prst="bentConnector3">
-            <a:avLst>
-              <a:gd name="adj1" fmla="val 50000"/>
-            </a:avLst>
-          </a:prstGeom>
-          <a:ln w="38100">
-            <a:solidFill>
-              <a:schemeClr val="tx1"/>
-            </a:solidFill>
-            <a:tailEnd type="triangle"/>
-          </a:ln>
-        </p:spPr>
-        <p:style>
-          <a:lnRef idx="1">
-            <a:schemeClr val="accent1"/>
-          </a:lnRef>
-          <a:fillRef idx="0">
-            <a:schemeClr val="accent1"/>
-          </a:fillRef>
-          <a:effectRef idx="0">
-            <a:schemeClr val="accent1"/>
-          </a:effectRef>
-          <a:fontRef idx="minor">
-            <a:schemeClr val="tx1"/>
-          </a:fontRef>
-        </p:style>
-      </p:cxnSp>
-      <p:pic>
-        <p:nvPicPr>
-          <p:cNvPr id="1078" name="Picture 1077">
-            <a:extLst>
-              <a:ext uri="{FF2B5EF4-FFF2-40B4-BE49-F238E27FC236}">
-                <a16:creationId xmlns:a16="http://schemas.microsoft.com/office/drawing/2014/main" id="{548F242E-99A6-0459-5E6C-ABB37967BE20}"/>
-              </a:ext>
-            </a:extLst>
-          </p:cNvPr>
-          <p:cNvPicPr>
-            <a:picLocks noChangeAspect="1"/>
-          </p:cNvPicPr>
-          <p:nvPr/>
-        </p:nvPicPr>
-        <p:blipFill>
-          <a:blip r:embed="rId6"/>
-          <a:stretch>
-            <a:fillRect/>
-          </a:stretch>
-        </p:blipFill>
-        <p:spPr>
-          <a:xfrm>
-            <a:off x="2921691" y="2951133"/>
-            <a:ext cx="1062452" cy="1062452"/>
-          </a:xfrm>
-          <a:prstGeom prst="rect">
-            <a:avLst/>
-          </a:prstGeom>
-        </p:spPr>
-      </p:pic>
-      <p:cxnSp>
-        <p:nvCxnSpPr>
-          <p:cNvPr id="1083" name="Straight Arrow Connector 1082">
-            <a:extLst>
-              <a:ext uri="{FF2B5EF4-FFF2-40B4-BE49-F238E27FC236}">
-                <a16:creationId xmlns:a16="http://schemas.microsoft.com/office/drawing/2014/main" id="{943A1444-8908-A75F-DAD1-F0D1BAE50731}"/>
-              </a:ext>
-            </a:extLst>
-          </p:cNvPr>
-          <p:cNvCxnSpPr>
-            <a:cxnSpLocks/>
-            <a:stCxn id="1070" idx="2"/>
-            <a:endCxn id="1078" idx="3"/>
-          </p:cNvCxnSpPr>
-          <p:nvPr/>
-        </p:nvCxnSpPr>
-        <p:spPr>
-          <a:xfrm flipH="1">
-            <a:off x="3984143" y="3458831"/>
-            <a:ext cx="1145230" cy="23528"/>
-          </a:xfrm>
-          <a:prstGeom prst="straightConnector1">
-            <a:avLst/>
-          </a:prstGeom>
-          <a:ln w="38100">
-            <a:solidFill>
-              <a:schemeClr val="tx1"/>
-            </a:solidFill>
-            <a:tailEnd type="triangle"/>
-          </a:ln>
-        </p:spPr>
-        <p:style>
-          <a:lnRef idx="1">
-            <a:schemeClr val="accent1"/>
-          </a:lnRef>
-          <a:fillRef idx="0">
-            <a:schemeClr val="accent1"/>
-          </a:fillRef>
-          <a:effectRef idx="0">
-            <a:schemeClr val="accent1"/>
-          </a:effectRef>
-          <a:fontRef idx="minor">
-            <a:schemeClr val="tx1"/>
-          </a:fontRef>
-        </p:style>
-      </p:cxnSp>
-      <p:sp>
-        <p:nvSpPr>
-          <p:cNvPr id="1086" name="TextBox 1085">
-            <a:extLst>
-              <a:ext uri="{FF2B5EF4-FFF2-40B4-BE49-F238E27FC236}">
-                <a16:creationId xmlns:a16="http://schemas.microsoft.com/office/drawing/2014/main" id="{3EB4F38E-A69A-7080-F997-606859DCD65F}"/>
-              </a:ext>
-            </a:extLst>
-          </p:cNvPr>
-          <p:cNvSpPr txBox="1"/>
-          <p:nvPr/>
-        </p:nvSpPr>
-        <p:spPr>
-          <a:xfrm>
-            <a:off x="2921691" y="4180288"/>
-            <a:ext cx="1145230" cy="213645"/>
-          </a:xfrm>
-          <a:prstGeom prst="rect">
-            <a:avLst/>
-          </a:prstGeom>
-          <a:noFill/>
-          <a:ln w="57150">
-            <a:noFill/>
-            <a:miter lim="800000"/>
-          </a:ln>
-        </p:spPr>
-        <p:txBody>
-          <a:bodyPr wrap="square" lIns="90000" tIns="90000" rIns="90000" bIns="90000" rtlCol="0" anchor="ctr" anchorCtr="0">
-            <a:noAutofit/>
-          </a:bodyPr>
-          <a:lstStyle/>
-          <a:p>
-            <a:pPr marL="0" indent="0" algn="ctr">
-              <a:lnSpc>
-                <a:spcPct val="90000"/>
-              </a:lnSpc>
-              <a:spcBef>
-                <a:spcPts val="400"/>
-              </a:spcBef>
-              <a:buFont typeface="MetricHPE" panose="020B0503030202060203" pitchFamily="34" charset="0"/>
-              <a:buNone/>
-            </a:pPr>
-            <a:r>
-              <a:rPr lang="es-CR" b="1" i="1" dirty="0"/>
-              <a:t>LLM</a:t>
-            </a:r>
-            <a:endParaRPr lang="en-GB" b="1" i="1" dirty="0" err="1"/>
-          </a:p>
-        </p:txBody>
-      </p:sp>
-      <p:cxnSp>
-        <p:nvCxnSpPr>
-          <p:cNvPr id="1087" name="Straight Arrow Connector 1086">
-            <a:extLst>
-              <a:ext uri="{FF2B5EF4-FFF2-40B4-BE49-F238E27FC236}">
-                <a16:creationId xmlns:a16="http://schemas.microsoft.com/office/drawing/2014/main" id="{2ECCBE5E-A008-2F81-79FD-5B71CE8D9311}"/>
-              </a:ext>
-            </a:extLst>
-          </p:cNvPr>
-          <p:cNvCxnSpPr>
-            <a:cxnSpLocks/>
-            <a:stCxn id="1078" idx="1"/>
-          </p:cNvCxnSpPr>
-          <p:nvPr/>
-        </p:nvCxnSpPr>
-        <p:spPr>
-          <a:xfrm flipH="1">
-            <a:off x="2085638" y="3482359"/>
-            <a:ext cx="836053" cy="0"/>
-          </a:xfrm>
-          <a:prstGeom prst="straightConnector1">
-            <a:avLst/>
-          </a:prstGeom>
-          <a:ln w="38100">
-            <a:solidFill>
-              <a:schemeClr val="tx1"/>
-            </a:solidFill>
-            <a:tailEnd type="triangle"/>
-          </a:ln>
-        </p:spPr>
-        <p:style>
-          <a:lnRef idx="1">
-            <a:schemeClr val="accent1"/>
-          </a:lnRef>
-          <a:fillRef idx="0">
-            <a:schemeClr val="accent1"/>
-          </a:fillRef>
-          <a:effectRef idx="0">
-            <a:schemeClr val="accent1"/>
-          </a:effectRef>
-          <a:fontRef idx="minor">
-            <a:schemeClr val="tx1"/>
-          </a:fontRef>
-        </p:style>
-      </p:cxnSp>
-      <p:sp>
-        <p:nvSpPr>
-          <p:cNvPr id="1090" name="Oval 1089">
-            <a:extLst>
-              <a:ext uri="{FF2B5EF4-FFF2-40B4-BE49-F238E27FC236}">
-                <a16:creationId xmlns:a16="http://schemas.microsoft.com/office/drawing/2014/main" id="{CE68E5B2-0438-AC80-25D6-9477A0747218}"/>
-              </a:ext>
-            </a:extLst>
-          </p:cNvPr>
-          <p:cNvSpPr/>
-          <p:nvPr/>
-        </p:nvSpPr>
-        <p:spPr bwMode="ltGray">
-          <a:xfrm>
-            <a:off x="283138" y="3082114"/>
-            <a:ext cx="1735560" cy="839961"/>
-          </a:xfrm>
-          <a:prstGeom prst="ellipse">
-            <a:avLst/>
-          </a:prstGeom>
-          <a:noFill/>
-          <a:ln w="57150">
-            <a:solidFill>
-              <a:srgbClr val="FF0000"/>
-            </a:solidFill>
-            <a:prstDash val="dash"/>
-          </a:ln>
-        </p:spPr>
-        <p:style>
-          <a:lnRef idx="2">
-            <a:schemeClr val="accent1">
-              <a:shade val="50000"/>
-            </a:schemeClr>
-          </a:lnRef>
-          <a:fillRef idx="1">
-            <a:schemeClr val="accent1"/>
-          </a:fillRef>
-          <a:effectRef idx="0">
-            <a:schemeClr val="accent1"/>
-          </a:effectRef>
-          <a:fontRef idx="minor">
-            <a:schemeClr val="lt1"/>
-          </a:fontRef>
-        </p:style>
-        <p:txBody>
-          <a:bodyPr tIns="91440" bIns="91440" rtlCol="0" anchor="ctr"/>
-          <a:lstStyle/>
-          <a:p>
-            <a:pPr algn="ctr"/>
-            <a:r>
-              <a:rPr lang="es-CR" i="1" dirty="0">
-                <a:solidFill>
-                  <a:schemeClr val="tx1"/>
-                </a:solidFill>
-              </a:rPr>
-              <a:t>Response</a:t>
-            </a:r>
-            <a:endParaRPr lang="en-GB" i="1" dirty="0" err="1">
-              <a:solidFill>
-                <a:schemeClr val="tx1"/>
-              </a:solidFill>
-            </a:endParaRPr>
-          </a:p>
-        </p:txBody>
-      </p:sp>
     </p:spTree>
     <p:extLst>
       <p:ext uri="{BB962C8B-B14F-4D97-AF65-F5344CB8AC3E}">
@@ -27724,13 +28959,13 @@
   <p:clrMapOvr>
     <a:masterClrMapping/>
   </p:clrMapOvr>
-  <mc:AlternateContent xmlns:mc="http://schemas.openxmlformats.org/markup-compatibility/2006">
-    <mc:Choice xmlns:p14="http://schemas.microsoft.com/office/powerpoint/2010/main" Requires="p14">
+  <mc:AlternateContent xmlns:mc="http://schemas.openxmlformats.org/markup-compatibility/2006" xmlns:p14="http://schemas.microsoft.com/office/powerpoint/2010/main">
+    <mc:Choice Requires="p14">
       <p:transition spd="med" p14:dur="700">
         <p:fade/>
       </p:transition>
     </mc:Choice>
-    <mc:Fallback>
+    <mc:Fallback xmlns="">
       <p:transition spd="med">
         <p:fade/>
       </p:transition>
@@ -28728,13 +29963,13 @@
   <p:clrMapOvr>
     <a:masterClrMapping/>
   </p:clrMapOvr>
-  <mc:AlternateContent xmlns:mc="http://schemas.openxmlformats.org/markup-compatibility/2006">
-    <mc:Choice xmlns:p14="http://schemas.microsoft.com/office/powerpoint/2010/main" Requires="p14">
+  <mc:AlternateContent xmlns:mc="http://schemas.openxmlformats.org/markup-compatibility/2006" xmlns:p14="http://schemas.microsoft.com/office/powerpoint/2010/main">
+    <mc:Choice Requires="p14">
       <p:transition spd="med" p14:dur="700">
         <p:fade/>
       </p:transition>
     </mc:Choice>
-    <mc:Fallback>
+    <mc:Fallback xmlns="">
       <p:transition spd="med">
         <p:fade/>
       </p:transition>
@@ -29319,13 +30554,13 @@
   <p:clrMapOvr>
     <a:masterClrMapping/>
   </p:clrMapOvr>
-  <mc:AlternateContent xmlns:mc="http://schemas.openxmlformats.org/markup-compatibility/2006">
-    <mc:Choice xmlns:p14="http://schemas.microsoft.com/office/powerpoint/2010/main" Requires="p14">
+  <mc:AlternateContent xmlns:mc="http://schemas.openxmlformats.org/markup-compatibility/2006" xmlns:p14="http://schemas.microsoft.com/office/powerpoint/2010/main">
+    <mc:Choice Requires="p14">
       <p:transition spd="med" p14:dur="700">
         <p:fade/>
       </p:transition>
     </mc:Choice>
-    <mc:Fallback>
+    <mc:Fallback xmlns="">
       <p:transition spd="med">
         <p:fade/>
       </p:transition>
